--- a/slides/powerpoint/02_forums.pptx
+++ b/slides/powerpoint/02_forums.pptx
@@ -6,18 +6,19 @@
     <p:sldMasterId id="2147483673" r:id="rId2"/>
   </p:sldMasterIdLst>
   <p:notesMasterIdLst>
-    <p:notesMasterId r:id="rId12"/>
+    <p:notesMasterId r:id="rId13"/>
   </p:notesMasterIdLst>
   <p:sldIdLst>
-    <p:sldId id="280" r:id="rId3"/>
+    <p:sldId id="291" r:id="rId3"/>
     <p:sldId id="893" r:id="rId4"/>
     <p:sldId id="901" r:id="rId5"/>
     <p:sldId id="902" r:id="rId6"/>
     <p:sldId id="847" r:id="rId7"/>
-    <p:sldId id="892" r:id="rId8"/>
-    <p:sldId id="903" r:id="rId9"/>
+    <p:sldId id="903" r:id="rId8"/>
+    <p:sldId id="892" r:id="rId9"/>
     <p:sldId id="904" r:id="rId10"/>
     <p:sldId id="905" r:id="rId11"/>
+    <p:sldId id="290" r:id="rId12"/>
   </p:sldIdLst>
   <p:sldSz cx="12192000" cy="6858000"/>
   <p:notesSz cx="6858000" cy="9144000"/>
@@ -217,7 +218,7 @@
           <a:p>
             <a:fld id="{D0FE861C-486B-4E18-A0E9-A790238A915C}" type="datetimeFigureOut">
               <a:rPr lang="en-US" smtClean="0"/>
-              <a:t>9/2/21</a:t>
+              <a:t>9/10/21</a:t>
             </a:fld>
             <a:endParaRPr lang="en-US"/>
           </a:p>
@@ -525,7 +526,10 @@
           <a:bodyPr/>
           <a:lstStyle/>
           <a:p>
-            <a:endParaRPr lang="en-US" dirty="0"/>
+            <a:r>
+              <a:rPr lang="en-US" dirty="0"/>
+              <a:t>Welcome to Finding Data Science Help Online. In this video, we will discuss Posting Questions in Online Forums.</a:t>
+            </a:r>
           </a:p>
         </p:txBody>
       </p:sp>
@@ -536,7 +540,7 @@
             <a:spLocks noGrp="1"/>
           </p:cNvSpPr>
           <p:nvPr>
-            <p:ph type="sldNum" sz="quarter" idx="10"/>
+            <p:ph type="sldNum" sz="quarter" idx="5"/>
           </p:nvPr>
         </p:nvSpPr>
         <p:spPr/>
@@ -544,65 +548,165 @@
           <a:bodyPr/>
           <a:lstStyle/>
           <a:p>
-            <a:pPr algn="r"/>
-            <a:fld id="{111E5896-917A-4035-A860-408E1EC3CD51}" type="slidenum">
-              <a:rPr lang="en-US" smtClean="0">
-                <a:solidFill>
-                  <a:srgbClr val="052049"/>
-                </a:solidFill>
-                <a:latin typeface="Arial" pitchFamily="34" charset="0"/>
-                <a:cs typeface="Arial" pitchFamily="34" charset="0"/>
-              </a:rPr>
-              <a:pPr algn="r"/>
-              <a:t>2</a:t>
+            <a:fld id="{DF811066-0135-4CAA-8AD4-89A97190AC00}" type="slidenum">
+              <a:rPr lang="en-US" smtClean="0"/>
+              <a:t>1</a:t>
             </a:fld>
-            <a:endParaRPr lang="en-US" dirty="0">
-              <a:solidFill>
-                <a:srgbClr val="052049"/>
-              </a:solidFill>
-              <a:latin typeface="Arial" pitchFamily="34" charset="0"/>
-              <a:cs typeface="Arial" pitchFamily="34" charset="0"/>
-            </a:endParaRPr>
-          </a:p>
-        </p:txBody>
-      </p:sp>
-      <p:sp>
-        <p:nvSpPr>
-          <p:cNvPr id="5" name="Footer Placeholder 4"/>
-          <p:cNvSpPr>
-            <a:spLocks noGrp="1"/>
-          </p:cNvSpPr>
-          <p:nvPr>
-            <p:ph type="ftr" sz="quarter" idx="11"/>
-          </p:nvPr>
-        </p:nvSpPr>
-        <p:spPr/>
-        <p:txBody>
-          <a:bodyPr/>
-          <a:lstStyle/>
-          <a:p>
-            <a:r>
-              <a:rPr lang="en-US" sz="800">
-                <a:solidFill>
-                  <a:srgbClr val="052049"/>
-                </a:solidFill>
-                <a:latin typeface="+mj-lt"/>
-              </a:rPr>
-              <a:t>| [footer text here]</a:t>
-            </a:r>
-            <a:endParaRPr lang="en-US" sz="800" dirty="0">
-              <a:solidFill>
-                <a:srgbClr val="052049"/>
-              </a:solidFill>
-              <a:latin typeface="+mj-lt"/>
-            </a:endParaRPr>
+            <a:endParaRPr lang="en-US"/>
           </a:p>
         </p:txBody>
       </p:sp>
     </p:spTree>
     <p:extLst>
       <p:ext uri="{BB962C8B-B14F-4D97-AF65-F5344CB8AC3E}">
-        <p14:creationId xmlns:p14="http://schemas.microsoft.com/office/powerpoint/2010/main" val="3205321747"/>
+        <p14:creationId xmlns:p14="http://schemas.microsoft.com/office/powerpoint/2010/main" val="1725704751"/>
+      </p:ext>
+    </p:extLst>
+  </p:cSld>
+  <p:clrMapOvr>
+    <a:masterClrMapping/>
+  </p:clrMapOvr>
+</p:notes>
+</file>
+
+<file path=ppt/notesSlides/notesSlide10.xml><?xml version="1.0" encoding="utf-8"?>
+<p:notes xmlns:a="http://schemas.openxmlformats.org/drawingml/2006/main" xmlns:r="http://schemas.openxmlformats.org/officeDocument/2006/relationships" xmlns:p="http://schemas.openxmlformats.org/presentationml/2006/main">
+  <p:cSld>
+    <p:spTree>
+      <p:nvGrpSpPr>
+        <p:cNvPr id="1" name=""/>
+        <p:cNvGrpSpPr/>
+        <p:nvPr/>
+      </p:nvGrpSpPr>
+      <p:grpSpPr>
+        <a:xfrm>
+          <a:off x="0" y="0"/>
+          <a:ext cx="0" cy="0"/>
+          <a:chOff x="0" y="0"/>
+          <a:chExt cx="0" cy="0"/>
+        </a:xfrm>
+      </p:grpSpPr>
+      <p:sp>
+        <p:nvSpPr>
+          <p:cNvPr id="2" name="Slide Image Placeholder 1"/>
+          <p:cNvSpPr>
+            <a:spLocks noGrp="1" noRot="1" noChangeAspect="1"/>
+          </p:cNvSpPr>
+          <p:nvPr>
+            <p:ph type="sldImg"/>
+          </p:nvPr>
+        </p:nvSpPr>
+        <p:spPr/>
+      </p:sp>
+      <p:sp>
+        <p:nvSpPr>
+          <p:cNvPr id="3" name="Notes Placeholder 2"/>
+          <p:cNvSpPr>
+            <a:spLocks noGrp="1"/>
+          </p:cNvSpPr>
+          <p:nvPr>
+            <p:ph type="body" idx="1"/>
+          </p:nvPr>
+        </p:nvSpPr>
+        <p:spPr/>
+        <p:txBody>
+          <a:bodyPr/>
+          <a:lstStyle/>
+          <a:p>
+            <a:r>
+              <a:rPr lang="en-US" dirty="0"/>
+              <a:t>Next time you run into a data science challenge, and you can’t find an existing solution online, follow the guidelines we provided to post a forum question. Hopefully someday, you may also find yourself answering questions from others as valuable contributors to the data science community. Thank you.</a:t>
+            </a:r>
+          </a:p>
+        </p:txBody>
+      </p:sp>
+      <p:sp>
+        <p:nvSpPr>
+          <p:cNvPr id="4" name="Slide Number Placeholder 3"/>
+          <p:cNvSpPr>
+            <a:spLocks noGrp="1"/>
+          </p:cNvSpPr>
+          <p:nvPr>
+            <p:ph type="sldNum" sz="quarter" idx="5"/>
+          </p:nvPr>
+        </p:nvSpPr>
+        <p:spPr/>
+        <p:txBody>
+          <a:bodyPr/>
+          <a:lstStyle/>
+          <a:p>
+            <a:pPr marL="0" marR="0" lvl="0" indent="0" algn="r" defTabSz="914400" rtl="0" eaLnBrk="1" fontAlgn="auto" latinLnBrk="0" hangingPunct="1">
+              <a:lnSpc>
+                <a:spcPct val="100000"/>
+              </a:lnSpc>
+              <a:spcBef>
+                <a:spcPts val="0"/>
+              </a:spcBef>
+              <a:spcAft>
+                <a:spcPts val="0"/>
+              </a:spcAft>
+              <a:buClrTx/>
+              <a:buSzTx/>
+              <a:buFontTx/>
+              <a:buNone/>
+              <a:tabLst/>
+              <a:defRPr/>
+            </a:pPr>
+            <a:fld id="{DF811066-0135-4CAA-8AD4-89A97190AC00}" type="slidenum">
+              <a:rPr kumimoji="0" lang="en-US" sz="1200" b="0" i="0" u="none" strike="noStrike" kern="1200" cap="none" spc="0" normalizeH="0" baseline="0" noProof="0" smtClean="0">
+                <a:ln>
+                  <a:noFill/>
+                </a:ln>
+                <a:solidFill>
+                  <a:prstClr val="black"/>
+                </a:solidFill>
+                <a:effectLst/>
+                <a:uLnTx/>
+                <a:uFillTx/>
+                <a:latin typeface="Calibri"/>
+                <a:ea typeface="+mn-ea"/>
+                <a:cs typeface="+mn-cs"/>
+              </a:rPr>
+              <a:pPr marL="0" marR="0" lvl="0" indent="0" algn="r" defTabSz="914400" rtl="0" eaLnBrk="1" fontAlgn="auto" latinLnBrk="0" hangingPunct="1">
+                <a:lnSpc>
+                  <a:spcPct val="100000"/>
+                </a:lnSpc>
+                <a:spcBef>
+                  <a:spcPts val="0"/>
+                </a:spcBef>
+                <a:spcAft>
+                  <a:spcPts val="0"/>
+                </a:spcAft>
+                <a:buClrTx/>
+                <a:buSzTx/>
+                <a:buFontTx/>
+                <a:buNone/>
+                <a:tabLst/>
+                <a:defRPr/>
+              </a:pPr>
+              <a:t>10</a:t>
+            </a:fld>
+            <a:endParaRPr kumimoji="0" lang="en-US" sz="1200" b="0" i="0" u="none" strike="noStrike" kern="1200" cap="none" spc="0" normalizeH="0" baseline="0" noProof="0">
+              <a:ln>
+                <a:noFill/>
+              </a:ln>
+              <a:solidFill>
+                <a:prstClr val="black"/>
+              </a:solidFill>
+              <a:effectLst/>
+              <a:uLnTx/>
+              <a:uFillTx/>
+              <a:latin typeface="Calibri"/>
+              <a:ea typeface="+mn-ea"/>
+              <a:cs typeface="+mn-cs"/>
+            </a:endParaRPr>
+          </a:p>
+        </p:txBody>
+      </p:sp>
+    </p:spTree>
+    <p:extLst>
+      <p:ext uri="{BB962C8B-B14F-4D97-AF65-F5344CB8AC3E}">
+        <p14:creationId xmlns:p14="http://schemas.microsoft.com/office/powerpoint/2010/main" val="3990263809"/>
       </p:ext>
     </p:extLst>
   </p:cSld>
@@ -656,7 +760,10 @@
           <a:bodyPr/>
           <a:lstStyle/>
           <a:p>
-            <a:endParaRPr lang="en-US" dirty="0"/>
+            <a:r>
+              <a:rPr lang="en-US" dirty="0"/>
+              <a:t>Have you ever used Stack Overflow?</a:t>
+            </a:r>
           </a:p>
         </p:txBody>
       </p:sp>
@@ -685,7 +792,7 @@
                 <a:cs typeface="Arial" pitchFamily="34" charset="0"/>
               </a:rPr>
               <a:pPr algn="r"/>
-              <a:t>3</a:t>
+              <a:t>2</a:t>
             </a:fld>
             <a:endParaRPr lang="en-US" dirty="0">
               <a:solidFill>
@@ -733,7 +840,7 @@
     </p:spTree>
     <p:extLst>
       <p:ext uri="{BB962C8B-B14F-4D97-AF65-F5344CB8AC3E}">
-        <p14:creationId xmlns:p14="http://schemas.microsoft.com/office/powerpoint/2010/main" val="3266295630"/>
+        <p14:creationId xmlns:p14="http://schemas.microsoft.com/office/powerpoint/2010/main" val="3205321747"/>
       </p:ext>
     </p:extLst>
   </p:cSld>
@@ -787,7 +894,18 @@
           <a:bodyPr/>
           <a:lstStyle/>
           <a:p>
-            <a:endParaRPr lang="en-US" dirty="0"/>
+            <a:r>
+              <a:rPr lang="en-US" dirty="0"/>
+              <a:t>Now for those of you who claimed to have used </a:t>
+            </a:r>
+            <a:r>
+              <a:rPr lang="en-US" dirty="0" err="1"/>
+              <a:t>StackOverflow</a:t>
+            </a:r>
+            <a:r>
+              <a:rPr lang="en-US" dirty="0"/>
+              <a:t>, how many of you have actually posted a question there before? My guess is a lot fewer.</a:t>
+            </a:r>
           </a:p>
         </p:txBody>
       </p:sp>
@@ -816,7 +934,7 @@
                 <a:cs typeface="Arial" pitchFamily="34" charset="0"/>
               </a:rPr>
               <a:pPr algn="r"/>
-              <a:t>4</a:t>
+              <a:t>3</a:t>
             </a:fld>
             <a:endParaRPr lang="en-US" dirty="0">
               <a:solidFill>
@@ -864,7 +982,7 @@
     </p:spTree>
     <p:extLst>
       <p:ext uri="{BB962C8B-B14F-4D97-AF65-F5344CB8AC3E}">
-        <p14:creationId xmlns:p14="http://schemas.microsoft.com/office/powerpoint/2010/main" val="1152095702"/>
+        <p14:creationId xmlns:p14="http://schemas.microsoft.com/office/powerpoint/2010/main" val="3266295630"/>
       </p:ext>
     </p:extLst>
   </p:cSld>
@@ -920,7 +1038,7 @@
           <a:p>
             <a:r>
               <a:rPr lang="en-US" dirty="0"/>
-              <a:t>We will emphasize forums a little more because they’re underused</a:t>
+              <a:t>So this brings up the question, what’s preventing us from posting more on Stack Overflow and other online forums?</a:t>
             </a:r>
           </a:p>
         </p:txBody>
@@ -950,7 +1068,7 @@
                 <a:cs typeface="Arial" pitchFamily="34" charset="0"/>
               </a:rPr>
               <a:pPr algn="r"/>
-              <a:t>5</a:t>
+              <a:t>4</a:t>
             </a:fld>
             <a:endParaRPr lang="en-US" dirty="0">
               <a:solidFill>
@@ -998,7 +1116,7 @@
     </p:spTree>
     <p:extLst>
       <p:ext uri="{BB962C8B-B14F-4D97-AF65-F5344CB8AC3E}">
-        <p14:creationId xmlns:p14="http://schemas.microsoft.com/office/powerpoint/2010/main" val="2359460663"/>
+        <p14:creationId xmlns:p14="http://schemas.microsoft.com/office/powerpoint/2010/main" val="1152095702"/>
       </p:ext>
     </p:extLst>
   </p:cSld>
@@ -1054,7 +1172,7 @@
           <a:p>
             <a:r>
               <a:rPr lang="en-US" dirty="0"/>
-              <a:t>If you don’t even know the right questions to ask, online courses could help get you oriented. </a:t>
+              <a:t>One explanation is the online forums are scary! You’re interacting with many strangers, and you may have doubts about whether you’re posting correctly on the forums.</a:t>
             </a:r>
           </a:p>
           <a:p>
@@ -1063,13 +1181,47 @@
           <a:p>
             <a:r>
               <a:rPr lang="en-US" dirty="0"/>
-              <a:t>Asynchronous courses are self-paced, and they’re nice if you need flexibility.</a:t>
-            </a:r>
-          </a:p>
-          <a:p>
+              <a:t>We have some recommendations that will hopefully encourage more of you to participate in forums. They are:</a:t>
+            </a:r>
+          </a:p>
+          <a:p>
+            <a:pPr marL="171450" indent="-171450">
+              <a:buFontTx/>
+              <a:buChar char="-"/>
+            </a:pPr>
             <a:r>
               <a:rPr lang="en-US" dirty="0"/>
-              <a:t>Synchronous courses are live, and they’ve nice if you want a community.</a:t>
+              <a:t>Be specific about what you’re asking</a:t>
+            </a:r>
+          </a:p>
+          <a:p>
+            <a:pPr marL="171450" indent="-171450">
+              <a:buFontTx/>
+              <a:buChar char="-"/>
+            </a:pPr>
+            <a:r>
+              <a:rPr lang="en-US" dirty="0"/>
+              <a:t>Search for existing posts and discussions.</a:t>
+            </a:r>
+          </a:p>
+          <a:p>
+            <a:pPr marL="171450" indent="-171450">
+              <a:buFontTx/>
+              <a:buChar char="-"/>
+            </a:pPr>
+            <a:r>
+              <a:rPr lang="en-US" dirty="0"/>
+              <a:t>Create a reproducible example</a:t>
+            </a:r>
+          </a:p>
+          <a:p>
+            <a:pPr marL="171450" indent="-171450">
+              <a:buFontTx/>
+              <a:buChar char="-"/>
+            </a:pPr>
+            <a:r>
+              <a:rPr lang="en-US" dirty="0"/>
+              <a:t>and ignore the bullies (and don’t be one)!</a:t>
             </a:r>
           </a:p>
         </p:txBody>
@@ -1099,7 +1251,7 @@
                 <a:cs typeface="Arial" pitchFamily="34" charset="0"/>
               </a:rPr>
               <a:pPr algn="r"/>
-              <a:t>6</a:t>
+              <a:t>5</a:t>
             </a:fld>
             <a:endParaRPr lang="en-US" dirty="0">
               <a:solidFill>
@@ -1147,7 +1299,7 @@
     </p:spTree>
     <p:extLst>
       <p:ext uri="{BB962C8B-B14F-4D97-AF65-F5344CB8AC3E}">
-        <p14:creationId xmlns:p14="http://schemas.microsoft.com/office/powerpoint/2010/main" val="4063864697"/>
+        <p14:creationId xmlns:p14="http://schemas.microsoft.com/office/powerpoint/2010/main" val="2359460663"/>
       </p:ext>
     </p:extLst>
   </p:cSld>
@@ -1203,22 +1355,23 @@
           <a:p>
             <a:r>
               <a:rPr lang="en-US" dirty="0"/>
-              <a:t>If you don’t even know the right questions to ask, online courses could help get you oriented. </a:t>
-            </a:r>
-          </a:p>
-          <a:p>
-            <a:endParaRPr lang="en-US" dirty="0"/>
-          </a:p>
-          <a:p>
+              <a:t>First, make sure you search existing posts and discussion before posting because there are likely to be other people who have the same question. For example, let’s say I ran into problems trying to install a tool called </a:t>
+            </a:r>
+            <a:r>
+              <a:rPr lang="en-US" dirty="0" err="1"/>
+              <a:t>velocyto</a:t>
+            </a:r>
             <a:r>
               <a:rPr lang="en-US" dirty="0"/>
-              <a:t>Asynchronous courses are self-paced, and they’re nice if you need flexibility.</a:t>
-            </a:r>
-          </a:p>
-          <a:p>
+              <a:t>. As you can see in the GitHub Issues discussions, many other users have run into installation issues when using </a:t>
+            </a:r>
+            <a:r>
+              <a:rPr lang="en-US" dirty="0" err="1"/>
+              <a:t>velocyto</a:t>
+            </a:r>
             <a:r>
               <a:rPr lang="en-US" dirty="0"/>
-              <a:t>Synchronous courses are live, and they’ve nice if you want a community.</a:t>
+              <a:t>. By checking existing posts and discussion first, I may be able to find existing solutions.</a:t>
             </a:r>
           </a:p>
         </p:txBody>
@@ -1248,7 +1401,7 @@
                 <a:cs typeface="Arial" pitchFamily="34" charset="0"/>
               </a:rPr>
               <a:pPr algn="r"/>
-              <a:t>7</a:t>
+              <a:t>6</a:t>
             </a:fld>
             <a:endParaRPr lang="en-US" dirty="0">
               <a:solidFill>
@@ -1352,22 +1505,15 @@
           <a:p>
             <a:r>
               <a:rPr lang="en-US" dirty="0"/>
-              <a:t>If you don’t even know the right questions to ask, online courses could help get you oriented. </a:t>
-            </a:r>
-          </a:p>
-          <a:p>
-            <a:endParaRPr lang="en-US" dirty="0"/>
-          </a:p>
-          <a:p>
+              <a:t>Assuming you didn’t find the answer you were looking for in existing posts, now it’s time to create a new forum discussion. Make sure you are specific about your question because people can’t help you if they don’t know what you’re asking. Here is an example from the RStudio Community forum, and you see that this beginner user didn’t provide much details beyond just stating that there is an error. As a result, another forum </a:t>
+            </a:r>
+            <a:r>
+              <a:rPr lang="en-US" dirty="0" err="1"/>
+              <a:t>particpant</a:t>
+            </a:r>
             <a:r>
               <a:rPr lang="en-US" dirty="0"/>
-              <a:t>Asynchronous courses are self-paced, and they’re nice if you need flexibility.</a:t>
-            </a:r>
-          </a:p>
-          <a:p>
-            <a:r>
-              <a:rPr lang="en-US" dirty="0"/>
-              <a:t>Synchronous courses are live, and they’ve nice if you want a community.</a:t>
+              <a:t> asked for more specifics, but at other times, forum participants may choose not to respond at all. So make sure to be provide enough details to help others understand the challenge you’re trying to address.</a:t>
             </a:r>
           </a:p>
         </p:txBody>
@@ -1397,7 +1543,7 @@
                 <a:cs typeface="Arial" pitchFamily="34" charset="0"/>
               </a:rPr>
               <a:pPr algn="r"/>
-              <a:t>8</a:t>
+              <a:t>7</a:t>
             </a:fld>
             <a:endParaRPr lang="en-US" dirty="0">
               <a:solidFill>
@@ -1445,7 +1591,7 @@
     </p:spTree>
     <p:extLst>
       <p:ext uri="{BB962C8B-B14F-4D97-AF65-F5344CB8AC3E}">
-        <p14:creationId xmlns:p14="http://schemas.microsoft.com/office/powerpoint/2010/main" val="1407935622"/>
+        <p14:creationId xmlns:p14="http://schemas.microsoft.com/office/powerpoint/2010/main" val="4063864697"/>
       </p:ext>
     </p:extLst>
   </p:cSld>
@@ -1501,7 +1647,7 @@
           <a:p>
             <a:r>
               <a:rPr lang="en-US" dirty="0"/>
-              <a:t>If you don’t even know the right questions to ask, online courses could help get you oriented. </a:t>
+              <a:t>One way to help make your forums posts more specific is to create a reproducible example. In other words, provide all the information necessary for others to reproduce what you are seeing, and this may include code samples and data files. </a:t>
             </a:r>
           </a:p>
           <a:p>
@@ -1510,13 +1656,167 @@
           <a:p>
             <a:r>
               <a:rPr lang="en-US" dirty="0"/>
-              <a:t>Asynchronous courses are self-paced, and they’re nice if you need flexibility.</a:t>
-            </a:r>
+              <a:t>In this example, the initial question isn’t very specific. However, things become much more clear after we take a look at the provided code sample. Can anyone spot the issue here?</a:t>
+            </a:r>
+          </a:p>
+          <a:p>
+            <a:endParaRPr lang="en-US" dirty="0"/>
           </a:p>
           <a:p>
             <a:r>
               <a:rPr lang="en-US" dirty="0"/>
-              <a:t>Synchronous courses are live, and they’ve nice if you want a community.</a:t>
+              <a:t>One pro tip is to use screenshots. On Macs, you can do command shift 5 to take a screenshot, while on windows, you would do windows shift s. </a:t>
+            </a:r>
+          </a:p>
+        </p:txBody>
+      </p:sp>
+      <p:sp>
+        <p:nvSpPr>
+          <p:cNvPr id="4" name="Slide Number Placeholder 3"/>
+          <p:cNvSpPr>
+            <a:spLocks noGrp="1"/>
+          </p:cNvSpPr>
+          <p:nvPr>
+            <p:ph type="sldNum" sz="quarter" idx="10"/>
+          </p:nvPr>
+        </p:nvSpPr>
+        <p:spPr/>
+        <p:txBody>
+          <a:bodyPr/>
+          <a:lstStyle/>
+          <a:p>
+            <a:pPr algn="r"/>
+            <a:fld id="{111E5896-917A-4035-A860-408E1EC3CD51}" type="slidenum">
+              <a:rPr lang="en-US" smtClean="0">
+                <a:solidFill>
+                  <a:srgbClr val="052049"/>
+                </a:solidFill>
+                <a:latin typeface="Arial" pitchFamily="34" charset="0"/>
+                <a:cs typeface="Arial" pitchFamily="34" charset="0"/>
+              </a:rPr>
+              <a:pPr algn="r"/>
+              <a:t>8</a:t>
+            </a:fld>
+            <a:endParaRPr lang="en-US" dirty="0">
+              <a:solidFill>
+                <a:srgbClr val="052049"/>
+              </a:solidFill>
+              <a:latin typeface="Arial" pitchFamily="34" charset="0"/>
+              <a:cs typeface="Arial" pitchFamily="34" charset="0"/>
+            </a:endParaRPr>
+          </a:p>
+        </p:txBody>
+      </p:sp>
+      <p:sp>
+        <p:nvSpPr>
+          <p:cNvPr id="5" name="Footer Placeholder 4"/>
+          <p:cNvSpPr>
+            <a:spLocks noGrp="1"/>
+          </p:cNvSpPr>
+          <p:nvPr>
+            <p:ph type="ftr" sz="quarter" idx="11"/>
+          </p:nvPr>
+        </p:nvSpPr>
+        <p:spPr/>
+        <p:txBody>
+          <a:bodyPr/>
+          <a:lstStyle/>
+          <a:p>
+            <a:r>
+              <a:rPr lang="en-US" sz="800">
+                <a:solidFill>
+                  <a:srgbClr val="052049"/>
+                </a:solidFill>
+                <a:latin typeface="+mj-lt"/>
+              </a:rPr>
+              <a:t>| [footer text here]</a:t>
+            </a:r>
+            <a:endParaRPr lang="en-US" sz="800" dirty="0">
+              <a:solidFill>
+                <a:srgbClr val="052049"/>
+              </a:solidFill>
+              <a:latin typeface="+mj-lt"/>
+            </a:endParaRPr>
+          </a:p>
+        </p:txBody>
+      </p:sp>
+    </p:spTree>
+    <p:extLst>
+      <p:ext uri="{BB962C8B-B14F-4D97-AF65-F5344CB8AC3E}">
+        <p14:creationId xmlns:p14="http://schemas.microsoft.com/office/powerpoint/2010/main" val="1407935622"/>
+      </p:ext>
+    </p:extLst>
+  </p:cSld>
+  <p:clrMapOvr>
+    <a:masterClrMapping/>
+  </p:clrMapOvr>
+</p:notes>
+</file>
+
+<file path=ppt/notesSlides/notesSlide9.xml><?xml version="1.0" encoding="utf-8"?>
+<p:notes xmlns:a="http://schemas.openxmlformats.org/drawingml/2006/main" xmlns:r="http://schemas.openxmlformats.org/officeDocument/2006/relationships" xmlns:p="http://schemas.openxmlformats.org/presentationml/2006/main">
+  <p:cSld>
+    <p:spTree>
+      <p:nvGrpSpPr>
+        <p:cNvPr id="1" name=""/>
+        <p:cNvGrpSpPr/>
+        <p:nvPr/>
+      </p:nvGrpSpPr>
+      <p:grpSpPr>
+        <a:xfrm>
+          <a:off x="0" y="0"/>
+          <a:ext cx="0" cy="0"/>
+          <a:chOff x="0" y="0"/>
+          <a:chExt cx="0" cy="0"/>
+        </a:xfrm>
+      </p:grpSpPr>
+      <p:sp>
+        <p:nvSpPr>
+          <p:cNvPr id="2" name="Slide Image Placeholder 1"/>
+          <p:cNvSpPr>
+            <a:spLocks noGrp="1" noRot="1" noChangeAspect="1"/>
+          </p:cNvSpPr>
+          <p:nvPr>
+            <p:ph type="sldImg"/>
+          </p:nvPr>
+        </p:nvSpPr>
+        <p:spPr/>
+      </p:sp>
+      <p:sp>
+        <p:nvSpPr>
+          <p:cNvPr id="3" name="Notes Placeholder 2"/>
+          <p:cNvSpPr>
+            <a:spLocks noGrp="1"/>
+          </p:cNvSpPr>
+          <p:nvPr>
+            <p:ph type="body" idx="1"/>
+          </p:nvPr>
+        </p:nvSpPr>
+        <p:spPr/>
+        <p:txBody>
+          <a:bodyPr/>
+          <a:lstStyle/>
+          <a:p>
+            <a:r>
+              <a:rPr lang="en-US" dirty="0"/>
+              <a:t>Last but not least. Ignore the forum bullies and don’t be one!</a:t>
+            </a:r>
+          </a:p>
+          <a:p>
+            <a:endParaRPr lang="en-US" dirty="0"/>
+          </a:p>
+          <a:p>
+            <a:r>
+              <a:rPr lang="en-US" dirty="0"/>
+              <a:t>Unfortunately, there are many unpleasant forum participants who can be rude, and forum providers, such as </a:t>
+            </a:r>
+            <a:r>
+              <a:rPr lang="en-US" dirty="0" err="1"/>
+              <a:t>StackOverflow</a:t>
+            </a:r>
+            <a:r>
+              <a:rPr lang="en-US" dirty="0"/>
+              <a:t>, have acknowledged the issue. However, most folks who participate in forums are trying their best to create a welcoming and valuable community resource, and we hope that you all become supportive forum participants as well.</a:t>
             </a:r>
           </a:p>
         </p:txBody>
@@ -1751,7 +2051,7 @@
           <a:p>
             <a:fld id="{7BFB377E-53ED-FE4D-83F9-4165E39010D6}" type="datetimeFigureOut">
               <a:rPr lang="en-US" smtClean="0"/>
-              <a:t>9/2/21</a:t>
+              <a:t>9/10/21</a:t>
             </a:fld>
             <a:endParaRPr lang="en-US"/>
           </a:p>
@@ -1949,7 +2249,7 @@
           <a:p>
             <a:fld id="{7BFB377E-53ED-FE4D-83F9-4165E39010D6}" type="datetimeFigureOut">
               <a:rPr lang="en-US" smtClean="0"/>
-              <a:t>9/2/21</a:t>
+              <a:t>9/10/21</a:t>
             </a:fld>
             <a:endParaRPr lang="en-US"/>
           </a:p>
@@ -2157,7 +2457,7 @@
           <a:p>
             <a:fld id="{7BFB377E-53ED-FE4D-83F9-4165E39010D6}" type="datetimeFigureOut">
               <a:rPr lang="en-US" smtClean="0"/>
-              <a:t>9/2/21</a:t>
+              <a:t>9/10/21</a:t>
             </a:fld>
             <a:endParaRPr lang="en-US"/>
           </a:p>
@@ -2802,7 +3102,7 @@
             <a:fld id="{7CA65D26-67D5-4CD2-90EC-E629659F24B3}" type="datetime1">
               <a:rPr lang="en-US" smtClean="0"/>
               <a:pPr/>
-              <a:t>9/2/21</a:t>
+              <a:t>9/10/21</a:t>
             </a:fld>
             <a:endParaRPr lang="en-US" dirty="0"/>
           </a:p>
@@ -3032,7 +3332,7 @@
             <a:fld id="{7CA65D26-67D5-4CD2-90EC-E629659F24B3}" type="datetime1">
               <a:rPr lang="en-US" smtClean="0"/>
               <a:pPr/>
-              <a:t>9/2/21</a:t>
+              <a:t>9/10/21</a:t>
             </a:fld>
             <a:endParaRPr lang="en-US" dirty="0"/>
           </a:p>
@@ -3411,7 +3711,7 @@
             <a:fld id="{7CA65D26-67D5-4CD2-90EC-E629659F24B3}" type="datetime1">
               <a:rPr lang="en-US" smtClean="0"/>
               <a:pPr/>
-              <a:t>9/2/21</a:t>
+              <a:t>9/10/21</a:t>
             </a:fld>
             <a:endParaRPr lang="en-US" dirty="0"/>
           </a:p>
@@ -3790,7 +4090,7 @@
             <a:fld id="{7CA65D26-67D5-4CD2-90EC-E629659F24B3}" type="datetime1">
               <a:rPr lang="en-US" smtClean="0"/>
               <a:pPr/>
-              <a:t>9/2/21</a:t>
+              <a:t>9/10/21</a:t>
             </a:fld>
             <a:endParaRPr lang="en-US" dirty="0"/>
           </a:p>
@@ -4178,7 +4478,7 @@
             <a:fld id="{7CA65D26-67D5-4CD2-90EC-E629659F24B3}" type="datetime1">
               <a:rPr lang="en-US" smtClean="0"/>
               <a:pPr/>
-              <a:t>9/2/21</a:t>
+              <a:t>9/10/21</a:t>
             </a:fld>
             <a:endParaRPr lang="en-US" dirty="0"/>
           </a:p>
@@ -4853,7 +5153,7 @@
           <a:p>
             <a:fld id="{7BFB377E-53ED-FE4D-83F9-4165E39010D6}" type="datetimeFigureOut">
               <a:rPr lang="en-US" smtClean="0"/>
-              <a:t>9/2/21</a:t>
+              <a:t>9/10/21</a:t>
             </a:fld>
             <a:endParaRPr lang="en-US"/>
           </a:p>
@@ -7657,7 +7957,7 @@
           <a:p>
             <a:fld id="{7BFB377E-53ED-FE4D-83F9-4165E39010D6}" type="datetimeFigureOut">
               <a:rPr lang="en-US" smtClean="0"/>
-              <a:t>9/2/21</a:t>
+              <a:t>9/10/21</a:t>
             </a:fld>
             <a:endParaRPr lang="en-US"/>
           </a:p>
@@ -8743,7 +9043,7 @@
           <a:p>
             <a:fld id="{F1482167-8811-434F-A92E-FCD7829DA7CB}" type="datetime1">
               <a:rPr lang="en-US" smtClean="0"/>
-              <a:t>9/2/21</a:t>
+              <a:t>9/10/21</a:t>
             </a:fld>
             <a:endParaRPr lang="en-US"/>
           </a:p>
@@ -8856,7 +9156,7 @@
           <a:p>
             <a:fld id="{E0DDE3D8-06A1-5448-8966-288515773649}" type="datetime1">
               <a:rPr lang="en-US" smtClean="0"/>
-              <a:t>9/2/21</a:t>
+              <a:t>9/10/21</a:t>
             </a:fld>
             <a:endParaRPr lang="en-US"/>
           </a:p>
@@ -9258,7 +9558,7 @@
           <a:p>
             <a:fld id="{7BFB377E-53ED-FE4D-83F9-4165E39010D6}" type="datetimeFigureOut">
               <a:rPr lang="en-US" smtClean="0"/>
-              <a:t>9/2/21</a:t>
+              <a:t>9/10/21</a:t>
             </a:fld>
             <a:endParaRPr lang="en-US"/>
           </a:p>
@@ -9670,7 +9970,7 @@
           <a:p>
             <a:fld id="{7BFB377E-53ED-FE4D-83F9-4165E39010D6}" type="datetimeFigureOut">
               <a:rPr lang="en-US" smtClean="0"/>
-              <a:t>9/2/21</a:t>
+              <a:t>9/10/21</a:t>
             </a:fld>
             <a:endParaRPr lang="en-US"/>
           </a:p>
@@ -9811,7 +10111,7 @@
           <a:p>
             <a:fld id="{7BFB377E-53ED-FE4D-83F9-4165E39010D6}" type="datetimeFigureOut">
               <a:rPr lang="en-US" smtClean="0"/>
-              <a:t>9/2/21</a:t>
+              <a:t>9/10/21</a:t>
             </a:fld>
             <a:endParaRPr lang="en-US"/>
           </a:p>
@@ -9924,7 +10224,7 @@
           <a:p>
             <a:fld id="{7BFB377E-53ED-FE4D-83F9-4165E39010D6}" type="datetimeFigureOut">
               <a:rPr lang="en-US" smtClean="0"/>
-              <a:t>9/2/21</a:t>
+              <a:t>9/10/21</a:t>
             </a:fld>
             <a:endParaRPr lang="en-US"/>
           </a:p>
@@ -10235,7 +10535,7 @@
           <a:p>
             <a:fld id="{7BFB377E-53ED-FE4D-83F9-4165E39010D6}" type="datetimeFigureOut">
               <a:rPr lang="en-US" smtClean="0"/>
-              <a:t>9/2/21</a:t>
+              <a:t>9/10/21</a:t>
             </a:fld>
             <a:endParaRPr lang="en-US"/>
           </a:p>
@@ -10523,7 +10823,7 @@
           <a:p>
             <a:fld id="{7BFB377E-53ED-FE4D-83F9-4165E39010D6}" type="datetimeFigureOut">
               <a:rPr lang="en-US" smtClean="0"/>
-              <a:t>9/2/21</a:t>
+              <a:t>9/10/21</a:t>
             </a:fld>
             <a:endParaRPr lang="en-US"/>
           </a:p>
@@ -10764,7 +11064,7 @@
           <a:p>
             <a:fld id="{7BFB377E-53ED-FE4D-83F9-4165E39010D6}" type="datetimeFigureOut">
               <a:rPr lang="en-US" smtClean="0"/>
-              <a:t>9/2/21</a:t>
+              <a:t>9/10/21</a:t>
             </a:fld>
             <a:endParaRPr lang="en-US"/>
           </a:p>
@@ -12433,7 +12733,7 @@
             <a:avLst/>
           </a:prstGeom>
           <a:solidFill>
-            <a:srgbClr val="052049"/>
+            <a:srgbClr val="112048"/>
           </a:solidFill>
           <a:ln>
             <a:noFill/>
@@ -12464,62 +12764,168 @@
           </a:p>
         </p:txBody>
       </p:sp>
-      <p:sp>
-        <p:nvSpPr>
-          <p:cNvPr id="10" name="TextBox 9">
+      <p:grpSp>
+        <p:nvGrpSpPr>
+          <p:cNvPr id="6" name="Group 5">
             <a:extLst>
               <a:ext uri="{FF2B5EF4-FFF2-40B4-BE49-F238E27FC236}">
-                <a16:creationId xmlns:a16="http://schemas.microsoft.com/office/drawing/2014/main" id="{7ADDA18C-D50D-3B41-A36D-C7252ABE830D}"/>
+                <a16:creationId xmlns:a16="http://schemas.microsoft.com/office/drawing/2014/main" id="{BC71E677-0CBB-9D4C-A649-00D1D1887340}"/>
               </a:ext>
             </a:extLst>
           </p:cNvPr>
-          <p:cNvSpPr txBox="1"/>
+          <p:cNvGrpSpPr/>
           <p:nvPr/>
-        </p:nvSpPr>
-        <p:spPr>
+        </p:nvGrpSpPr>
+        <p:grpSpPr>
           <a:xfrm>
-            <a:off x="686004" y="2151821"/>
-            <a:ext cx="10819993" cy="2554354"/>
+            <a:off x="345738" y="1857399"/>
+            <a:ext cx="11500527" cy="3241715"/>
+            <a:chOff x="423741" y="2336392"/>
+            <a:chExt cx="3356919" cy="3241714"/>
+          </a:xfrm>
+        </p:grpSpPr>
+        <p:sp>
+          <p:nvSpPr>
+            <p:cNvPr id="7" name="TextBox 6">
+              <a:extLst>
+                <a:ext uri="{FF2B5EF4-FFF2-40B4-BE49-F238E27FC236}">
+                  <a16:creationId xmlns:a16="http://schemas.microsoft.com/office/drawing/2014/main" id="{89268938-0E8B-A541-9E7E-733421F56448}"/>
+                </a:ext>
+              </a:extLst>
+            </p:cNvPr>
+            <p:cNvSpPr txBox="1"/>
+            <p:nvPr/>
+          </p:nvSpPr>
+          <p:spPr>
+            <a:xfrm>
+              <a:off x="423741" y="2336392"/>
+              <a:ext cx="3112783" cy="2123657"/>
+            </a:xfrm>
+            <a:prstGeom prst="rect">
+              <a:avLst/>
+            </a:prstGeom>
+            <a:noFill/>
+          </p:spPr>
+          <p:txBody>
+            <a:bodyPr wrap="square" rtlCol="0" anchor="ctr">
+              <a:spAutoFit/>
+            </a:bodyPr>
+            <a:lstStyle/>
+            <a:p>
+              <a:r>
+                <a:rPr lang="en-US" sz="6600" b="1" dirty="0">
+                  <a:solidFill>
+                    <a:schemeClr val="bg1"/>
+                  </a:solidFill>
+                  <a:latin typeface="Arial Nova" panose="020B0504020202020204" pitchFamily="34" charset="0"/>
+                  <a:ea typeface="Helvetica Neue" panose="02000503000000020004" pitchFamily="2" charset="0"/>
+                  <a:cs typeface="Helvetica Neue" panose="02000503000000020004" pitchFamily="2" charset="0"/>
+                </a:rPr>
+                <a:t>Finding Data Science Help Online</a:t>
+              </a:r>
+            </a:p>
+          </p:txBody>
+        </p:sp>
+        <p:sp>
+          <p:nvSpPr>
+            <p:cNvPr id="8" name="TextBox 7">
+              <a:extLst>
+                <a:ext uri="{FF2B5EF4-FFF2-40B4-BE49-F238E27FC236}">
+                  <a16:creationId xmlns:a16="http://schemas.microsoft.com/office/drawing/2014/main" id="{76A0F2E1-4E8D-984A-AFEB-E8E1DC466D5C}"/>
+                </a:ext>
+              </a:extLst>
+            </p:cNvPr>
+            <p:cNvSpPr txBox="1"/>
+            <p:nvPr/>
+          </p:nvSpPr>
+          <p:spPr>
+            <a:xfrm>
+              <a:off x="423741" y="4623999"/>
+              <a:ext cx="3356919" cy="954107"/>
+            </a:xfrm>
+            <a:prstGeom prst="rect">
+              <a:avLst/>
+            </a:prstGeom>
+            <a:noFill/>
+          </p:spPr>
+          <p:txBody>
+            <a:bodyPr wrap="square" lIns="91440" tIns="45720" rIns="91440" bIns="45720" rtlCol="0" anchor="t">
+              <a:spAutoFit/>
+            </a:bodyPr>
+            <a:lstStyle/>
+            <a:p>
+              <a:r>
+                <a:rPr lang="en-US" sz="2800" dirty="0">
+                  <a:solidFill>
+                    <a:schemeClr val="bg1"/>
+                  </a:solidFill>
+                  <a:latin typeface="Arial Nova Light" panose="020B0304020202020204" pitchFamily="34" charset="0"/>
+                  <a:ea typeface="Helvetica Neue Light" panose="02000403000000020004" pitchFamily="2" charset="0"/>
+                </a:rPr>
+                <a:t>Posting Questions in Online Forums</a:t>
+              </a:r>
+            </a:p>
+            <a:p>
+              <a:endParaRPr lang="en-US" sz="2800" dirty="0">
+                <a:solidFill>
+                  <a:schemeClr val="bg1"/>
+                </a:solidFill>
+                <a:latin typeface="Arial Nova Light" panose="020B0304020202020204" pitchFamily="34" charset="0"/>
+                <a:ea typeface="Helvetica Neue Light" panose="02000403000000020004" pitchFamily="2" charset="0"/>
+              </a:endParaRPr>
+            </a:p>
+          </p:txBody>
+        </p:sp>
+      </p:grpSp>
+      <p:pic>
+        <p:nvPicPr>
+          <p:cNvPr id="1026" name="Picture 2" descr="Strategies for Faculty to Alleviate Student Zoom Fatigue | Library Drop-in  Series - UCSF Events Calendar">
+            <a:extLst>
+              <a:ext uri="{FF2B5EF4-FFF2-40B4-BE49-F238E27FC236}">
+                <a16:creationId xmlns:a16="http://schemas.microsoft.com/office/drawing/2014/main" id="{B204D766-499E-9143-8137-DD1B09B106FF}"/>
+              </a:ext>
+            </a:extLst>
+          </p:cNvPr>
+          <p:cNvPicPr>
+            <a:picLocks noChangeAspect="1" noChangeArrowheads="1"/>
+          </p:cNvPicPr>
+          <p:nvPr/>
+        </p:nvPicPr>
+        <p:blipFill rotWithShape="1">
+          <a:blip r:embed="rId3">
+            <a:extLst>
+              <a:ext uri="{28A0092B-C50C-407E-A947-70E740481C1C}">
+                <a14:useLocalDpi xmlns:a14="http://schemas.microsoft.com/office/drawing/2010/main" val="0"/>
+              </a:ext>
+            </a:extLst>
+          </a:blip>
+          <a:srcRect l="6251" t="32548" r="9374" b="39271"/>
+          <a:stretch/>
+        </p:blipFill>
+        <p:spPr bwMode="auto">
+          <a:xfrm>
+            <a:off x="9220200" y="5669181"/>
+            <a:ext cx="2763045" cy="922855"/>
           </a:xfrm>
           <a:prstGeom prst="rect">
             <a:avLst/>
           </a:prstGeom>
           <a:noFill/>
+          <a:extLst>
+            <a:ext uri="{909E8E84-426E-40DD-AFC4-6F175D3DCCD1}">
+              <a14:hiddenFill xmlns:a14="http://schemas.microsoft.com/office/drawing/2010/main">
+                <a:solidFill>
+                  <a:srgbClr val="FFFFFF"/>
+                </a:solidFill>
+              </a14:hiddenFill>
+            </a:ext>
+          </a:extLst>
         </p:spPr>
-        <p:txBody>
-          <a:bodyPr wrap="square" rtlCol="0" anchor="ctr">
-            <a:spAutoFit/>
-          </a:bodyPr>
-          <a:lstStyle/>
-          <a:p>
-            <a:r>
-              <a:rPr lang="en-US" sz="5333" b="1" dirty="0">
-                <a:solidFill>
-                  <a:schemeClr val="bg1"/>
-                </a:solidFill>
-                <a:latin typeface="Arial Nova" panose="020B0504020202020204" pitchFamily="34" charset="0"/>
-                <a:ea typeface="Helvetica Neue" panose="02000503000000020004" pitchFamily="2" charset="0"/>
-                <a:cs typeface="Helvetica Neue" panose="02000503000000020004" pitchFamily="2" charset="0"/>
-              </a:rPr>
-              <a:t>Posting Questions in Online Forums</a:t>
-            </a:r>
-          </a:p>
-          <a:p>
-            <a:endParaRPr lang="en-US" sz="5333" b="1" dirty="0">
-              <a:solidFill>
-                <a:schemeClr val="bg1"/>
-              </a:solidFill>
-              <a:latin typeface="Arial Nova" panose="020B0504020202020204" pitchFamily="34" charset="0"/>
-              <a:ea typeface="Helvetica Neue" panose="02000503000000020004" pitchFamily="2" charset="0"/>
-              <a:cs typeface="Helvetica Neue" panose="02000503000000020004" pitchFamily="2" charset="0"/>
-            </a:endParaRPr>
-          </a:p>
-        </p:txBody>
-      </p:sp>
+      </p:pic>
     </p:spTree>
     <p:extLst>
       <p:ext uri="{BB962C8B-B14F-4D97-AF65-F5344CB8AC3E}">
-        <p14:creationId xmlns:p14="http://schemas.microsoft.com/office/powerpoint/2010/main" val="2531847305"/>
+        <p14:creationId xmlns:p14="http://schemas.microsoft.com/office/powerpoint/2010/main" val="2714267469"/>
       </p:ext>
     </p:extLst>
   </p:cSld>
@@ -12538,6 +12944,39 @@
       </p:transition>
     </mc:Fallback>
   </mc:AlternateContent>
+</p:sld>
+</file>
+
+<file path=ppt/slides/slide10.xml><?xml version="1.0" encoding="utf-8"?>
+<p:sld xmlns:a="http://schemas.openxmlformats.org/drawingml/2006/main" xmlns:r="http://schemas.openxmlformats.org/officeDocument/2006/relationships" xmlns:p="http://schemas.openxmlformats.org/presentationml/2006/main">
+  <p:cSld>
+    <p:spTree>
+      <p:nvGrpSpPr>
+        <p:cNvPr id="1" name=""/>
+        <p:cNvGrpSpPr/>
+        <p:nvPr/>
+      </p:nvGrpSpPr>
+      <p:grpSpPr>
+        <a:xfrm>
+          <a:off x="0" y="0"/>
+          <a:ext cx="0" cy="0"/>
+          <a:chOff x="0" y="0"/>
+          <a:chExt cx="0" cy="0"/>
+        </a:xfrm>
+      </p:grpSpPr>
+    </p:spTree>
+    <p:extLst>
+      <p:ext uri="{BB962C8B-B14F-4D97-AF65-F5344CB8AC3E}">
+        <p14:creationId xmlns:p14="http://schemas.microsoft.com/office/powerpoint/2010/main" val="2533538191"/>
+      </p:ext>
+    </p:extLst>
+  </p:cSld>
+  <p:clrMapOvr>
+    <a:masterClrMapping/>
+  </p:clrMapOvr>
+  <p:transition>
+    <p:fade/>
+  </p:transition>
 </p:sld>
 </file>
 
@@ -12981,7 +13420,7 @@
                 <a:ea typeface="Helvetica Neue" panose="02000503000000020004" pitchFamily="2" charset="0"/>
                 <a:cs typeface="Helvetica Neue" panose="02000503000000020004" pitchFamily="2" charset="0"/>
               </a:rPr>
-              <a:t>Online Forums can be scary! Here’s how you can approach them:</a:t>
+              <a:t>Online Forums can be scary!</a:t>
             </a:r>
             <a:endParaRPr lang="en-US" sz="4400" dirty="0"/>
           </a:p>
@@ -13030,7 +13469,7 @@
                 <a:ea typeface="Helvetica Neue" panose="02000503000000020004" pitchFamily="2" charset="0"/>
                 <a:cs typeface="Helvetica Neue" panose="02000503000000020004" pitchFamily="2" charset="0"/>
               </a:rPr>
-              <a:t>Be specific about what you’re asking.</a:t>
+              <a:t>Search for existing posts/discussions.</a:t>
             </a:r>
           </a:p>
           <a:p>
@@ -13050,7 +13489,7 @@
                 <a:ea typeface="Helvetica Neue" panose="02000503000000020004" pitchFamily="2" charset="0"/>
                 <a:cs typeface="Helvetica Neue" panose="02000503000000020004" pitchFamily="2" charset="0"/>
               </a:rPr>
-              <a:t>Search for existing posts/discussions.</a:t>
+              <a:t>Be specific about what you’re asking.</a:t>
             </a:r>
           </a:p>
           <a:p>
@@ -13092,6 +13531,48 @@
               </a:rPr>
               <a:t>Ignore the bullies (and don’t be one)!</a:t>
             </a:r>
+          </a:p>
+        </p:txBody>
+      </p:sp>
+      <p:sp>
+        <p:nvSpPr>
+          <p:cNvPr id="2" name="Rectangle 1">
+            <a:extLst>
+              <a:ext uri="{FF2B5EF4-FFF2-40B4-BE49-F238E27FC236}">
+                <a16:creationId xmlns:a16="http://schemas.microsoft.com/office/drawing/2014/main" id="{6B3A0333-9C06-E944-B886-209A76B37F9F}"/>
+              </a:ext>
+            </a:extLst>
+          </p:cNvPr>
+          <p:cNvSpPr/>
+          <p:nvPr/>
+        </p:nvSpPr>
+        <p:spPr>
+          <a:xfrm>
+            <a:off x="666612" y="2286000"/>
+            <a:ext cx="11068188" cy="769441"/>
+          </a:xfrm>
+          <a:prstGeom prst="rect">
+            <a:avLst/>
+          </a:prstGeom>
+        </p:spPr>
+        <p:txBody>
+          <a:bodyPr wrap="square">
+            <a:spAutoFit/>
+          </a:bodyPr>
+          <a:lstStyle/>
+          <a:p>
+            <a:r>
+              <a:rPr lang="en-US" sz="4400" b="1" dirty="0">
+                <a:solidFill>
+                  <a:srgbClr val="051F49"/>
+                </a:solidFill>
+                <a:latin typeface="Arial Nova" panose="020B0504020202020204" pitchFamily="34" charset="0"/>
+                <a:ea typeface="Helvetica Neue" panose="02000503000000020004" pitchFamily="2" charset="0"/>
+                <a:cs typeface="Helvetica Neue" panose="02000503000000020004" pitchFamily="2" charset="0"/>
+              </a:rPr>
+              <a:t>Here’s how you can approach them:</a:t>
+            </a:r>
+            <a:endParaRPr lang="en-US" dirty="0"/>
           </a:p>
         </p:txBody>
       </p:sp>
@@ -13121,364 +13602,6 @@
 </file>
 
 <file path=ppt/slides/slide6.xml><?xml version="1.0" encoding="utf-8"?>
-<p:sld xmlns:a="http://schemas.openxmlformats.org/drawingml/2006/main" xmlns:r="http://schemas.openxmlformats.org/officeDocument/2006/relationships" xmlns:p="http://schemas.openxmlformats.org/presentationml/2006/main">
-  <p:cSld>
-    <p:spTree>
-      <p:nvGrpSpPr>
-        <p:cNvPr id="1" name=""/>
-        <p:cNvGrpSpPr/>
-        <p:nvPr/>
-      </p:nvGrpSpPr>
-      <p:grpSpPr>
-        <a:xfrm>
-          <a:off x="0" y="0"/>
-          <a:ext cx="0" cy="0"/>
-          <a:chOff x="0" y="0"/>
-          <a:chExt cx="0" cy="0"/>
-        </a:xfrm>
-      </p:grpSpPr>
-      <p:grpSp>
-        <p:nvGrpSpPr>
-          <p:cNvPr id="18" name="Group 17">
-            <a:extLst>
-              <a:ext uri="{FF2B5EF4-FFF2-40B4-BE49-F238E27FC236}">
-                <a16:creationId xmlns:a16="http://schemas.microsoft.com/office/drawing/2014/main" id="{0FBBAB15-4376-8140-8393-42D6A96C1B47}"/>
-              </a:ext>
-            </a:extLst>
-          </p:cNvPr>
-          <p:cNvGrpSpPr/>
-          <p:nvPr/>
-        </p:nvGrpSpPr>
-        <p:grpSpPr>
-          <a:xfrm>
-            <a:off x="533400" y="659359"/>
-            <a:ext cx="9753600" cy="917174"/>
-            <a:chOff x="449970" y="823419"/>
-            <a:chExt cx="8385614" cy="917174"/>
-          </a:xfrm>
-        </p:grpSpPr>
-        <p:sp>
-          <p:nvSpPr>
-            <p:cNvPr id="16" name="Title 2">
-              <a:extLst>
-                <a:ext uri="{FF2B5EF4-FFF2-40B4-BE49-F238E27FC236}">
-                  <a16:creationId xmlns:a16="http://schemas.microsoft.com/office/drawing/2014/main" id="{8338A86D-3161-6A4A-9A4C-663B639049D9}"/>
-                </a:ext>
-              </a:extLst>
-            </p:cNvPr>
-            <p:cNvSpPr txBox="1">
-              <a:spLocks/>
-            </p:cNvSpPr>
-            <p:nvPr/>
-          </p:nvSpPr>
-          <p:spPr>
-            <a:xfrm>
-              <a:off x="449970" y="823419"/>
-              <a:ext cx="8173580" cy="458587"/>
-            </a:xfrm>
-            <a:prstGeom prst="rect">
-              <a:avLst/>
-            </a:prstGeom>
-          </p:spPr>
-          <p:txBody>
-            <a:bodyPr vert="horz" wrap="square" lIns="91440" tIns="45720" rIns="91440" bIns="45720" rtlCol="0" anchor="t" anchorCtr="0">
-              <a:noAutofit/>
-            </a:bodyPr>
-            <a:lstStyle>
-              <a:lvl1pPr algn="l" defTabSz="914400" rtl="0" eaLnBrk="1" latinLnBrk="0" hangingPunct="1">
-                <a:lnSpc>
-                  <a:spcPct val="85000"/>
-                </a:lnSpc>
-                <a:spcBef>
-                  <a:spcPct val="0"/>
-                </a:spcBef>
-                <a:buNone/>
-                <a:defRPr lang="en-US" sz="3600" b="0" kern="1200" cap="none" spc="0" baseline="0">
-                  <a:solidFill>
-                    <a:schemeClr val="tx1"/>
-                  </a:solidFill>
-                  <a:latin typeface="+mj-lt"/>
-                  <a:ea typeface="+mj-ea"/>
-                  <a:cs typeface="Arial" pitchFamily="34" charset="0"/>
-                </a:defRPr>
-              </a:lvl1pPr>
-            </a:lstStyle>
-            <a:p>
-              <a:pPr lvl="0">
-                <a:defRPr/>
-              </a:pPr>
-              <a:r>
-                <a:rPr lang="en-US" sz="2800" b="1" dirty="0">
-                  <a:solidFill>
-                    <a:srgbClr val="051F49"/>
-                  </a:solidFill>
-                  <a:latin typeface="Arial Nova" panose="020B0504020202020204" pitchFamily="34" charset="0"/>
-                  <a:ea typeface="Helvetica Neue" panose="02000503000000020004" pitchFamily="2" charset="0"/>
-                  <a:cs typeface="Helvetica Neue" panose="02000503000000020004" pitchFamily="2" charset="0"/>
-                </a:rPr>
-                <a:t>Be specific about what you’re asking.</a:t>
-              </a:r>
-            </a:p>
-          </p:txBody>
-        </p:sp>
-        <p:sp>
-          <p:nvSpPr>
-            <p:cNvPr id="17" name="Text Placeholder 4">
-              <a:extLst>
-                <a:ext uri="{FF2B5EF4-FFF2-40B4-BE49-F238E27FC236}">
-                  <a16:creationId xmlns:a16="http://schemas.microsoft.com/office/drawing/2014/main" id="{34D9BD50-49F3-3741-B784-1FE2BD2C4F2B}"/>
-                </a:ext>
-              </a:extLst>
-            </p:cNvPr>
-            <p:cNvSpPr txBox="1">
-              <a:spLocks/>
-            </p:cNvSpPr>
-            <p:nvPr/>
-          </p:nvSpPr>
-          <p:spPr>
-            <a:xfrm>
-              <a:off x="453585" y="1282006"/>
-              <a:ext cx="8381999" cy="458587"/>
-            </a:xfrm>
-            <a:prstGeom prst="rect">
-              <a:avLst/>
-            </a:prstGeom>
-          </p:spPr>
-          <p:txBody>
-            <a:bodyPr vert="horz" lIns="91440" tIns="45720" rIns="91440" bIns="45720" rtlCol="0">
-              <a:noAutofit/>
-            </a:bodyPr>
-            <a:lstStyle>
-              <a:lvl1pPr marL="0" indent="0" algn="l" defTabSz="640080" rtl="0" eaLnBrk="1" latinLnBrk="0" hangingPunct="1">
-                <a:lnSpc>
-                  <a:spcPct val="100000"/>
-                </a:lnSpc>
-                <a:spcBef>
-                  <a:spcPts val="0"/>
-                </a:spcBef>
-                <a:spcAft>
-                  <a:spcPts val="600"/>
-                </a:spcAft>
-                <a:buClr>
-                  <a:schemeClr val="accent1"/>
-                </a:buClr>
-                <a:buSzPct val="80000"/>
-                <a:buFont typeface="Wingdings" charset="2"/>
-                <a:buNone/>
-                <a:tabLst/>
-                <a:defRPr lang="en-US" sz="1800" b="0" i="0" kern="1200">
-                  <a:solidFill>
-                    <a:schemeClr val="tx1"/>
-                  </a:solidFill>
-                  <a:latin typeface="+mn-lt"/>
-                  <a:ea typeface="+mn-ea"/>
-                  <a:cs typeface="+mn-cs"/>
-                </a:defRPr>
-              </a:lvl1pPr>
-              <a:lvl2pPr marL="230187" indent="0" algn="l" defTabSz="640080" rtl="0" eaLnBrk="1" latinLnBrk="0" hangingPunct="1">
-                <a:lnSpc>
-                  <a:spcPct val="100000"/>
-                </a:lnSpc>
-                <a:spcBef>
-                  <a:spcPts val="0"/>
-                </a:spcBef>
-                <a:spcAft>
-                  <a:spcPts val="600"/>
-                </a:spcAft>
-                <a:buClr>
-                  <a:schemeClr val="accent5">
-                    <a:lumMod val="50000"/>
-                  </a:schemeClr>
-                </a:buClr>
-                <a:buSzPct val="100000"/>
-                <a:buFont typeface=".AppleSystemUIFont" charset="0"/>
-                <a:buNone/>
-                <a:tabLst/>
-                <a:defRPr lang="en-US" sz="2000" b="0" i="1" kern="1200">
-                  <a:solidFill>
-                    <a:schemeClr val="tx1"/>
-                  </a:solidFill>
-                  <a:latin typeface="+mn-lt"/>
-                  <a:ea typeface="+mn-ea"/>
-                  <a:cs typeface="+mn-cs"/>
-                </a:defRPr>
-              </a:lvl2pPr>
-              <a:lvl3pPr marL="515937" indent="0" algn="l" defTabSz="640080" rtl="0" eaLnBrk="1" latinLnBrk="0" hangingPunct="1">
-                <a:lnSpc>
-                  <a:spcPct val="100000"/>
-                </a:lnSpc>
-                <a:spcBef>
-                  <a:spcPts val="0"/>
-                </a:spcBef>
-                <a:spcAft>
-                  <a:spcPts val="600"/>
-                </a:spcAft>
-                <a:buClr>
-                  <a:schemeClr val="accent1"/>
-                </a:buClr>
-                <a:buSzPct val="80000"/>
-                <a:buFont typeface="Wingdings" charset="2"/>
-                <a:buNone/>
-                <a:tabLst/>
-                <a:defRPr lang="en-US" sz="1800" b="0" i="1" kern="1200">
-                  <a:solidFill>
-                    <a:schemeClr val="tx1"/>
-                  </a:solidFill>
-                  <a:latin typeface="+mn-lt"/>
-                  <a:ea typeface="+mn-ea"/>
-                  <a:cs typeface="+mn-cs"/>
-                </a:defRPr>
-              </a:lvl3pPr>
-              <a:lvl4pPr marL="800100" indent="0" algn="l" defTabSz="640080" rtl="0" eaLnBrk="1" latinLnBrk="0" hangingPunct="1">
-                <a:lnSpc>
-                  <a:spcPct val="100000"/>
-                </a:lnSpc>
-                <a:spcBef>
-                  <a:spcPts val="0"/>
-                </a:spcBef>
-                <a:spcAft>
-                  <a:spcPts val="600"/>
-                </a:spcAft>
-                <a:buClr>
-                  <a:schemeClr val="accent5">
-                    <a:lumMod val="50000"/>
-                  </a:schemeClr>
-                </a:buClr>
-                <a:buSzPct val="100000"/>
-                <a:buFont typeface=".AppleSystemUIFont" charset="0"/>
-                <a:buNone/>
-                <a:tabLst/>
-                <a:defRPr lang="en-US" sz="1600" b="0" i="1" kern="1200">
-                  <a:solidFill>
-                    <a:schemeClr val="tx1"/>
-                  </a:solidFill>
-                  <a:latin typeface="+mn-lt"/>
-                  <a:ea typeface="+mn-ea"/>
-                  <a:cs typeface="+mn-cs"/>
-                </a:defRPr>
-              </a:lvl4pPr>
-              <a:lvl5pPr marL="1085850" indent="0" algn="l" defTabSz="640080" rtl="0" eaLnBrk="1" latinLnBrk="0" hangingPunct="1">
-                <a:lnSpc>
-                  <a:spcPct val="100000"/>
-                </a:lnSpc>
-                <a:spcBef>
-                  <a:spcPts val="0"/>
-                </a:spcBef>
-                <a:buClr>
-                  <a:srgbClr val="18A3AC"/>
-                </a:buClr>
-                <a:buSzPct val="80000"/>
-                <a:buFont typeface="Wingdings" charset="2"/>
-                <a:buNone/>
-                <a:defRPr lang="en-US" sz="2000" b="0" i="1" kern="1200">
-                  <a:solidFill>
-                    <a:schemeClr val="tx1"/>
-                  </a:solidFill>
-                  <a:latin typeface="+mn-lt"/>
-                  <a:ea typeface="+mn-ea"/>
-                  <a:cs typeface="+mn-cs"/>
-                </a:defRPr>
-              </a:lvl5pPr>
-              <a:lvl6pPr marL="2514600" indent="-228600" algn="l" defTabSz="914400" rtl="0" eaLnBrk="1" latinLnBrk="0" hangingPunct="1">
-                <a:spcBef>
-                  <a:spcPct val="20000"/>
-                </a:spcBef>
-                <a:buFont typeface="Arial" pitchFamily="34" charset="0"/>
-                <a:buChar char="•"/>
-                <a:defRPr sz="2000" kern="1200">
-                  <a:solidFill>
-                    <a:schemeClr val="tx1"/>
-                  </a:solidFill>
-                  <a:latin typeface="+mn-lt"/>
-                  <a:ea typeface="+mn-ea"/>
-                  <a:cs typeface="+mn-cs"/>
-                </a:defRPr>
-              </a:lvl6pPr>
-              <a:lvl7pPr marL="2971800" indent="-228600" algn="l" defTabSz="914400" rtl="0" eaLnBrk="1" latinLnBrk="0" hangingPunct="1">
-                <a:spcBef>
-                  <a:spcPct val="20000"/>
-                </a:spcBef>
-                <a:buFont typeface="Arial" pitchFamily="34" charset="0"/>
-                <a:buChar char="•"/>
-                <a:defRPr sz="2000" kern="1200">
-                  <a:solidFill>
-                    <a:schemeClr val="tx1"/>
-                  </a:solidFill>
-                  <a:latin typeface="+mn-lt"/>
-                  <a:ea typeface="+mn-ea"/>
-                  <a:cs typeface="+mn-cs"/>
-                </a:defRPr>
-              </a:lvl7pPr>
-              <a:lvl8pPr marL="3429000" indent="-228600" algn="l" defTabSz="914400" rtl="0" eaLnBrk="1" latinLnBrk="0" hangingPunct="1">
-                <a:spcBef>
-                  <a:spcPct val="20000"/>
-                </a:spcBef>
-                <a:buFont typeface="Arial" pitchFamily="34" charset="0"/>
-                <a:buChar char="•"/>
-                <a:defRPr sz="2000" kern="1200">
-                  <a:solidFill>
-                    <a:schemeClr val="tx1"/>
-                  </a:solidFill>
-                  <a:latin typeface="+mn-lt"/>
-                  <a:ea typeface="+mn-ea"/>
-                  <a:cs typeface="+mn-cs"/>
-                </a:defRPr>
-              </a:lvl8pPr>
-              <a:lvl9pPr marL="3886200" indent="-228600" algn="l" defTabSz="914400" rtl="0" eaLnBrk="1" latinLnBrk="0" hangingPunct="1">
-                <a:spcBef>
-                  <a:spcPct val="20000"/>
-                </a:spcBef>
-                <a:buFont typeface="Arial" pitchFamily="34" charset="0"/>
-                <a:buChar char="•"/>
-                <a:defRPr sz="2000" kern="1200">
-                  <a:solidFill>
-                    <a:schemeClr val="tx1"/>
-                  </a:solidFill>
-                  <a:latin typeface="+mn-lt"/>
-                  <a:ea typeface="+mn-ea"/>
-                  <a:cs typeface="+mn-cs"/>
-                </a:defRPr>
-              </a:lvl9pPr>
-            </a:lstStyle>
-            <a:p>
-              <a:r>
-                <a:rPr lang="en-US" sz="2130" dirty="0">
-                  <a:latin typeface="Arial Nova Light" panose="020B0304020202020204" pitchFamily="34" charset="0"/>
-                  <a:ea typeface="Helvetica Neue" panose="02000503000000020004" pitchFamily="2" charset="0"/>
-                  <a:cs typeface="Helvetica Neue" panose="02000503000000020004" pitchFamily="2" charset="0"/>
-                </a:rPr>
-                <a:t>People can’t help you if they don’t know what you’re asking.</a:t>
-              </a:r>
-            </a:p>
-          </p:txBody>
-        </p:sp>
-      </p:grpSp>
-    </p:spTree>
-    <p:extLst>
-      <p:ext uri="{BB962C8B-B14F-4D97-AF65-F5344CB8AC3E}">
-        <p14:creationId xmlns:p14="http://schemas.microsoft.com/office/powerpoint/2010/main" val="749526148"/>
-      </p:ext>
-    </p:extLst>
-  </p:cSld>
-  <p:clrMapOvr>
-    <a:masterClrMapping/>
-  </p:clrMapOvr>
-  <mc:AlternateContent xmlns:mc="http://schemas.openxmlformats.org/markup-compatibility/2006" xmlns:p14="http://schemas.microsoft.com/office/powerpoint/2010/main">
-    <mc:Choice Requires="p14">
-      <p:transition spd="med" p14:dur="700">
-        <p:fade/>
-      </p:transition>
-    </mc:Choice>
-    <mc:Fallback xmlns="">
-      <p:transition spd="med">
-        <p:fade/>
-      </p:transition>
-    </mc:Fallback>
-  </mc:AlternateContent>
-</p:sld>
-</file>
-
-<file path=ppt/slides/slide7.xml><?xml version="1.0" encoding="utf-8"?>
 <p:sld xmlns:a="http://schemas.openxmlformats.org/drawingml/2006/main" xmlns:r="http://schemas.openxmlformats.org/officeDocument/2006/relationships" xmlns:p="http://schemas.openxmlformats.org/presentationml/2006/main">
   <p:cSld>
     <p:spTree>
@@ -13872,57 +13995,69 @@
             <a:r>
               <a:rPr lang="en-US" sz="1200" dirty="0">
                 <a:latin typeface="Arial Nova Light" panose="020B0304020202020204" pitchFamily="34" charset="0"/>
+                <a:hlinkClick r:id="rId4"/>
               </a:rPr>
               <a:t>https://</a:t>
             </a:r>
             <a:r>
               <a:rPr lang="en-US" sz="1200" dirty="0" err="1">
                 <a:latin typeface="Arial Nova Light" panose="020B0304020202020204" pitchFamily="34" charset="0"/>
+                <a:hlinkClick r:id="rId4"/>
               </a:rPr>
               <a:t>github.com</a:t>
             </a:r>
             <a:r>
               <a:rPr lang="en-US" sz="1200" dirty="0">
                 <a:latin typeface="Arial Nova Light" panose="020B0304020202020204" pitchFamily="34" charset="0"/>
+                <a:hlinkClick r:id="rId4"/>
               </a:rPr>
               <a:t>/</a:t>
             </a:r>
             <a:r>
               <a:rPr lang="en-US" sz="1200" dirty="0" err="1">
                 <a:latin typeface="Arial Nova Light" panose="020B0304020202020204" pitchFamily="34" charset="0"/>
+                <a:hlinkClick r:id="rId4"/>
               </a:rPr>
               <a:t>velocyto</a:t>
             </a:r>
             <a:r>
               <a:rPr lang="en-US" sz="1200" dirty="0">
                 <a:latin typeface="Arial Nova Light" panose="020B0304020202020204" pitchFamily="34" charset="0"/>
+                <a:hlinkClick r:id="rId4"/>
               </a:rPr>
               <a:t>-team/</a:t>
             </a:r>
             <a:r>
               <a:rPr lang="en-US" sz="1200" dirty="0" err="1">
                 <a:latin typeface="Arial Nova Light" panose="020B0304020202020204" pitchFamily="34" charset="0"/>
+                <a:hlinkClick r:id="rId4"/>
               </a:rPr>
               <a:t>velocyto.py</a:t>
             </a:r>
             <a:r>
               <a:rPr lang="en-US" sz="1200" dirty="0">
                 <a:latin typeface="Arial Nova Light" panose="020B0304020202020204" pitchFamily="34" charset="0"/>
+                <a:hlinkClick r:id="rId4"/>
               </a:rPr>
               <a:t>/</a:t>
             </a:r>
             <a:r>
               <a:rPr lang="en-US" sz="1200" dirty="0" err="1">
                 <a:latin typeface="Arial Nova Light" panose="020B0304020202020204" pitchFamily="34" charset="0"/>
+                <a:hlinkClick r:id="rId4"/>
               </a:rPr>
               <a:t>issues?q</a:t>
             </a:r>
             <a:r>
               <a:rPr lang="en-US" sz="1200" dirty="0">
                 <a:latin typeface="Arial Nova Light" panose="020B0304020202020204" pitchFamily="34" charset="0"/>
+                <a:hlinkClick r:id="rId4"/>
               </a:rPr>
               <a:t>=is%3Aissue+installation+error</a:t>
             </a:r>
+            <a:endParaRPr lang="en-US" sz="1200" dirty="0">
+              <a:latin typeface="Arial Nova Light" panose="020B0304020202020204" pitchFamily="34" charset="0"/>
+            </a:endParaRPr>
           </a:p>
         </p:txBody>
       </p:sp>
@@ -13948,6 +14083,756 @@
       </p:transition>
     </mc:Fallback>
   </mc:AlternateContent>
+  <p:timing>
+    <p:tnLst>
+      <p:par>
+        <p:cTn id="1" dur="indefinite" restart="never" nodeType="tmRoot">
+          <p:childTnLst>
+            <p:seq concurrent="1" nextAc="seek">
+              <p:cTn id="2" dur="indefinite" nodeType="mainSeq">
+                <p:childTnLst>
+                  <p:par>
+                    <p:cTn id="3" fill="hold">
+                      <p:stCondLst>
+                        <p:cond delay="indefinite"/>
+                      </p:stCondLst>
+                      <p:childTnLst>
+                        <p:par>
+                          <p:cTn id="4" fill="hold">
+                            <p:stCondLst>
+                              <p:cond delay="0"/>
+                            </p:stCondLst>
+                            <p:childTnLst>
+                              <p:par>
+                                <p:cTn id="5" presetID="10" presetClass="entr" presetSubtype="0" fill="hold" nodeType="clickEffect">
+                                  <p:stCondLst>
+                                    <p:cond delay="0"/>
+                                  </p:stCondLst>
+                                  <p:childTnLst>
+                                    <p:set>
+                                      <p:cBhvr>
+                                        <p:cTn id="6" dur="1" fill="hold">
+                                          <p:stCondLst>
+                                            <p:cond delay="0"/>
+                                          </p:stCondLst>
+                                        </p:cTn>
+                                        <p:tgtEl>
+                                          <p:spTgt spid="3"/>
+                                        </p:tgtEl>
+                                        <p:attrNameLst>
+                                          <p:attrName>style.visibility</p:attrName>
+                                        </p:attrNameLst>
+                                      </p:cBhvr>
+                                      <p:to>
+                                        <p:strVal val="visible"/>
+                                      </p:to>
+                                    </p:set>
+                                    <p:animEffect transition="in" filter="fade">
+                                      <p:cBhvr>
+                                        <p:cTn id="7" dur="500"/>
+                                        <p:tgtEl>
+                                          <p:spTgt spid="3"/>
+                                        </p:tgtEl>
+                                      </p:cBhvr>
+                                    </p:animEffect>
+                                  </p:childTnLst>
+                                </p:cTn>
+                              </p:par>
+                              <p:par>
+                                <p:cTn id="8" presetID="10" presetClass="entr" presetSubtype="0" fill="hold" grpId="0" nodeType="withEffect">
+                                  <p:stCondLst>
+                                    <p:cond delay="0"/>
+                                  </p:stCondLst>
+                                  <p:childTnLst>
+                                    <p:set>
+                                      <p:cBhvr>
+                                        <p:cTn id="9" dur="1" fill="hold">
+                                          <p:stCondLst>
+                                            <p:cond delay="0"/>
+                                          </p:stCondLst>
+                                        </p:cTn>
+                                        <p:tgtEl>
+                                          <p:spTgt spid="4"/>
+                                        </p:tgtEl>
+                                        <p:attrNameLst>
+                                          <p:attrName>style.visibility</p:attrName>
+                                        </p:attrNameLst>
+                                      </p:cBhvr>
+                                      <p:to>
+                                        <p:strVal val="visible"/>
+                                      </p:to>
+                                    </p:set>
+                                    <p:animEffect transition="in" filter="fade">
+                                      <p:cBhvr>
+                                        <p:cTn id="10" dur="500"/>
+                                        <p:tgtEl>
+                                          <p:spTgt spid="4"/>
+                                        </p:tgtEl>
+                                      </p:cBhvr>
+                                    </p:animEffect>
+                                  </p:childTnLst>
+                                </p:cTn>
+                              </p:par>
+                            </p:childTnLst>
+                          </p:cTn>
+                        </p:par>
+                      </p:childTnLst>
+                    </p:cTn>
+                  </p:par>
+                </p:childTnLst>
+              </p:cTn>
+              <p:prevCondLst>
+                <p:cond evt="onPrev" delay="0">
+                  <p:tgtEl>
+                    <p:sldTgt/>
+                  </p:tgtEl>
+                </p:cond>
+              </p:prevCondLst>
+              <p:nextCondLst>
+                <p:cond evt="onNext" delay="0">
+                  <p:tgtEl>
+                    <p:sldTgt/>
+                  </p:tgtEl>
+                </p:cond>
+              </p:nextCondLst>
+            </p:seq>
+          </p:childTnLst>
+        </p:cTn>
+      </p:par>
+    </p:tnLst>
+    <p:bldLst>
+      <p:bldP spid="4" grpId="0"/>
+    </p:bldLst>
+  </p:timing>
+</p:sld>
+</file>
+
+<file path=ppt/slides/slide7.xml><?xml version="1.0" encoding="utf-8"?>
+<p:sld xmlns:a="http://schemas.openxmlformats.org/drawingml/2006/main" xmlns:r="http://schemas.openxmlformats.org/officeDocument/2006/relationships" xmlns:p="http://schemas.openxmlformats.org/presentationml/2006/main">
+  <p:cSld>
+    <p:spTree>
+      <p:nvGrpSpPr>
+        <p:cNvPr id="1" name=""/>
+        <p:cNvGrpSpPr/>
+        <p:nvPr/>
+      </p:nvGrpSpPr>
+      <p:grpSpPr>
+        <a:xfrm>
+          <a:off x="0" y="0"/>
+          <a:ext cx="0" cy="0"/>
+          <a:chOff x="0" y="0"/>
+          <a:chExt cx="0" cy="0"/>
+        </a:xfrm>
+      </p:grpSpPr>
+      <p:grpSp>
+        <p:nvGrpSpPr>
+          <p:cNvPr id="18" name="Group 17">
+            <a:extLst>
+              <a:ext uri="{FF2B5EF4-FFF2-40B4-BE49-F238E27FC236}">
+                <a16:creationId xmlns:a16="http://schemas.microsoft.com/office/drawing/2014/main" id="{0FBBAB15-4376-8140-8393-42D6A96C1B47}"/>
+              </a:ext>
+            </a:extLst>
+          </p:cNvPr>
+          <p:cNvGrpSpPr/>
+          <p:nvPr/>
+        </p:nvGrpSpPr>
+        <p:grpSpPr>
+          <a:xfrm>
+            <a:off x="533400" y="659359"/>
+            <a:ext cx="9753600" cy="917174"/>
+            <a:chOff x="449970" y="823419"/>
+            <a:chExt cx="8385614" cy="917174"/>
+          </a:xfrm>
+        </p:grpSpPr>
+        <p:sp>
+          <p:nvSpPr>
+            <p:cNvPr id="16" name="Title 2">
+              <a:extLst>
+                <a:ext uri="{FF2B5EF4-FFF2-40B4-BE49-F238E27FC236}">
+                  <a16:creationId xmlns:a16="http://schemas.microsoft.com/office/drawing/2014/main" id="{8338A86D-3161-6A4A-9A4C-663B639049D9}"/>
+                </a:ext>
+              </a:extLst>
+            </p:cNvPr>
+            <p:cNvSpPr txBox="1">
+              <a:spLocks/>
+            </p:cNvSpPr>
+            <p:nvPr/>
+          </p:nvSpPr>
+          <p:spPr>
+            <a:xfrm>
+              <a:off x="449970" y="823419"/>
+              <a:ext cx="8173580" cy="458587"/>
+            </a:xfrm>
+            <a:prstGeom prst="rect">
+              <a:avLst/>
+            </a:prstGeom>
+          </p:spPr>
+          <p:txBody>
+            <a:bodyPr vert="horz" wrap="square" lIns="91440" tIns="45720" rIns="91440" bIns="45720" rtlCol="0" anchor="t" anchorCtr="0">
+              <a:noAutofit/>
+            </a:bodyPr>
+            <a:lstStyle>
+              <a:lvl1pPr algn="l" defTabSz="914400" rtl="0" eaLnBrk="1" latinLnBrk="0" hangingPunct="1">
+                <a:lnSpc>
+                  <a:spcPct val="85000"/>
+                </a:lnSpc>
+                <a:spcBef>
+                  <a:spcPct val="0"/>
+                </a:spcBef>
+                <a:buNone/>
+                <a:defRPr lang="en-US" sz="3600" b="0" kern="1200" cap="none" spc="0" baseline="0">
+                  <a:solidFill>
+                    <a:schemeClr val="tx1"/>
+                  </a:solidFill>
+                  <a:latin typeface="+mj-lt"/>
+                  <a:ea typeface="+mj-ea"/>
+                  <a:cs typeface="Arial" pitchFamily="34" charset="0"/>
+                </a:defRPr>
+              </a:lvl1pPr>
+            </a:lstStyle>
+            <a:p>
+              <a:pPr lvl="0">
+                <a:defRPr/>
+              </a:pPr>
+              <a:r>
+                <a:rPr lang="en-US" sz="2800" b="1" dirty="0">
+                  <a:solidFill>
+                    <a:srgbClr val="051F49"/>
+                  </a:solidFill>
+                  <a:latin typeface="Arial Nova" panose="020B0504020202020204" pitchFamily="34" charset="0"/>
+                  <a:ea typeface="Helvetica Neue" panose="02000503000000020004" pitchFamily="2" charset="0"/>
+                  <a:cs typeface="Helvetica Neue" panose="02000503000000020004" pitchFamily="2" charset="0"/>
+                </a:rPr>
+                <a:t>Be specific about what you’re asking.</a:t>
+              </a:r>
+            </a:p>
+          </p:txBody>
+        </p:sp>
+        <p:sp>
+          <p:nvSpPr>
+            <p:cNvPr id="17" name="Text Placeholder 4">
+              <a:extLst>
+                <a:ext uri="{FF2B5EF4-FFF2-40B4-BE49-F238E27FC236}">
+                  <a16:creationId xmlns:a16="http://schemas.microsoft.com/office/drawing/2014/main" id="{34D9BD50-49F3-3741-B784-1FE2BD2C4F2B}"/>
+                </a:ext>
+              </a:extLst>
+            </p:cNvPr>
+            <p:cNvSpPr txBox="1">
+              <a:spLocks/>
+            </p:cNvSpPr>
+            <p:nvPr/>
+          </p:nvSpPr>
+          <p:spPr>
+            <a:xfrm>
+              <a:off x="453585" y="1282006"/>
+              <a:ext cx="8381999" cy="458587"/>
+            </a:xfrm>
+            <a:prstGeom prst="rect">
+              <a:avLst/>
+            </a:prstGeom>
+          </p:spPr>
+          <p:txBody>
+            <a:bodyPr vert="horz" lIns="91440" tIns="45720" rIns="91440" bIns="45720" rtlCol="0">
+              <a:noAutofit/>
+            </a:bodyPr>
+            <a:lstStyle>
+              <a:lvl1pPr marL="0" indent="0" algn="l" defTabSz="640080" rtl="0" eaLnBrk="1" latinLnBrk="0" hangingPunct="1">
+                <a:lnSpc>
+                  <a:spcPct val="100000"/>
+                </a:lnSpc>
+                <a:spcBef>
+                  <a:spcPts val="0"/>
+                </a:spcBef>
+                <a:spcAft>
+                  <a:spcPts val="600"/>
+                </a:spcAft>
+                <a:buClr>
+                  <a:schemeClr val="accent1"/>
+                </a:buClr>
+                <a:buSzPct val="80000"/>
+                <a:buFont typeface="Wingdings" charset="2"/>
+                <a:buNone/>
+                <a:tabLst/>
+                <a:defRPr lang="en-US" sz="1800" b="0" i="0" kern="1200">
+                  <a:solidFill>
+                    <a:schemeClr val="tx1"/>
+                  </a:solidFill>
+                  <a:latin typeface="+mn-lt"/>
+                  <a:ea typeface="+mn-ea"/>
+                  <a:cs typeface="+mn-cs"/>
+                </a:defRPr>
+              </a:lvl1pPr>
+              <a:lvl2pPr marL="230187" indent="0" algn="l" defTabSz="640080" rtl="0" eaLnBrk="1" latinLnBrk="0" hangingPunct="1">
+                <a:lnSpc>
+                  <a:spcPct val="100000"/>
+                </a:lnSpc>
+                <a:spcBef>
+                  <a:spcPts val="0"/>
+                </a:spcBef>
+                <a:spcAft>
+                  <a:spcPts val="600"/>
+                </a:spcAft>
+                <a:buClr>
+                  <a:schemeClr val="accent5">
+                    <a:lumMod val="50000"/>
+                  </a:schemeClr>
+                </a:buClr>
+                <a:buSzPct val="100000"/>
+                <a:buFont typeface=".AppleSystemUIFont" charset="0"/>
+                <a:buNone/>
+                <a:tabLst/>
+                <a:defRPr lang="en-US" sz="2000" b="0" i="1" kern="1200">
+                  <a:solidFill>
+                    <a:schemeClr val="tx1"/>
+                  </a:solidFill>
+                  <a:latin typeface="+mn-lt"/>
+                  <a:ea typeface="+mn-ea"/>
+                  <a:cs typeface="+mn-cs"/>
+                </a:defRPr>
+              </a:lvl2pPr>
+              <a:lvl3pPr marL="515937" indent="0" algn="l" defTabSz="640080" rtl="0" eaLnBrk="1" latinLnBrk="0" hangingPunct="1">
+                <a:lnSpc>
+                  <a:spcPct val="100000"/>
+                </a:lnSpc>
+                <a:spcBef>
+                  <a:spcPts val="0"/>
+                </a:spcBef>
+                <a:spcAft>
+                  <a:spcPts val="600"/>
+                </a:spcAft>
+                <a:buClr>
+                  <a:schemeClr val="accent1"/>
+                </a:buClr>
+                <a:buSzPct val="80000"/>
+                <a:buFont typeface="Wingdings" charset="2"/>
+                <a:buNone/>
+                <a:tabLst/>
+                <a:defRPr lang="en-US" sz="1800" b="0" i="1" kern="1200">
+                  <a:solidFill>
+                    <a:schemeClr val="tx1"/>
+                  </a:solidFill>
+                  <a:latin typeface="+mn-lt"/>
+                  <a:ea typeface="+mn-ea"/>
+                  <a:cs typeface="+mn-cs"/>
+                </a:defRPr>
+              </a:lvl3pPr>
+              <a:lvl4pPr marL="800100" indent="0" algn="l" defTabSz="640080" rtl="0" eaLnBrk="1" latinLnBrk="0" hangingPunct="1">
+                <a:lnSpc>
+                  <a:spcPct val="100000"/>
+                </a:lnSpc>
+                <a:spcBef>
+                  <a:spcPts val="0"/>
+                </a:spcBef>
+                <a:spcAft>
+                  <a:spcPts val="600"/>
+                </a:spcAft>
+                <a:buClr>
+                  <a:schemeClr val="accent5">
+                    <a:lumMod val="50000"/>
+                  </a:schemeClr>
+                </a:buClr>
+                <a:buSzPct val="100000"/>
+                <a:buFont typeface=".AppleSystemUIFont" charset="0"/>
+                <a:buNone/>
+                <a:tabLst/>
+                <a:defRPr lang="en-US" sz="1600" b="0" i="1" kern="1200">
+                  <a:solidFill>
+                    <a:schemeClr val="tx1"/>
+                  </a:solidFill>
+                  <a:latin typeface="+mn-lt"/>
+                  <a:ea typeface="+mn-ea"/>
+                  <a:cs typeface="+mn-cs"/>
+                </a:defRPr>
+              </a:lvl4pPr>
+              <a:lvl5pPr marL="1085850" indent="0" algn="l" defTabSz="640080" rtl="0" eaLnBrk="1" latinLnBrk="0" hangingPunct="1">
+                <a:lnSpc>
+                  <a:spcPct val="100000"/>
+                </a:lnSpc>
+                <a:spcBef>
+                  <a:spcPts val="0"/>
+                </a:spcBef>
+                <a:buClr>
+                  <a:srgbClr val="18A3AC"/>
+                </a:buClr>
+                <a:buSzPct val="80000"/>
+                <a:buFont typeface="Wingdings" charset="2"/>
+                <a:buNone/>
+                <a:defRPr lang="en-US" sz="2000" b="0" i="1" kern="1200">
+                  <a:solidFill>
+                    <a:schemeClr val="tx1"/>
+                  </a:solidFill>
+                  <a:latin typeface="+mn-lt"/>
+                  <a:ea typeface="+mn-ea"/>
+                  <a:cs typeface="+mn-cs"/>
+                </a:defRPr>
+              </a:lvl5pPr>
+              <a:lvl6pPr marL="2514600" indent="-228600" algn="l" defTabSz="914400" rtl="0" eaLnBrk="1" latinLnBrk="0" hangingPunct="1">
+                <a:spcBef>
+                  <a:spcPct val="20000"/>
+                </a:spcBef>
+                <a:buFont typeface="Arial" pitchFamily="34" charset="0"/>
+                <a:buChar char="•"/>
+                <a:defRPr sz="2000" kern="1200">
+                  <a:solidFill>
+                    <a:schemeClr val="tx1"/>
+                  </a:solidFill>
+                  <a:latin typeface="+mn-lt"/>
+                  <a:ea typeface="+mn-ea"/>
+                  <a:cs typeface="+mn-cs"/>
+                </a:defRPr>
+              </a:lvl6pPr>
+              <a:lvl7pPr marL="2971800" indent="-228600" algn="l" defTabSz="914400" rtl="0" eaLnBrk="1" latinLnBrk="0" hangingPunct="1">
+                <a:spcBef>
+                  <a:spcPct val="20000"/>
+                </a:spcBef>
+                <a:buFont typeface="Arial" pitchFamily="34" charset="0"/>
+                <a:buChar char="•"/>
+                <a:defRPr sz="2000" kern="1200">
+                  <a:solidFill>
+                    <a:schemeClr val="tx1"/>
+                  </a:solidFill>
+                  <a:latin typeface="+mn-lt"/>
+                  <a:ea typeface="+mn-ea"/>
+                  <a:cs typeface="+mn-cs"/>
+                </a:defRPr>
+              </a:lvl7pPr>
+              <a:lvl8pPr marL="3429000" indent="-228600" algn="l" defTabSz="914400" rtl="0" eaLnBrk="1" latinLnBrk="0" hangingPunct="1">
+                <a:spcBef>
+                  <a:spcPct val="20000"/>
+                </a:spcBef>
+                <a:buFont typeface="Arial" pitchFamily="34" charset="0"/>
+                <a:buChar char="•"/>
+                <a:defRPr sz="2000" kern="1200">
+                  <a:solidFill>
+                    <a:schemeClr val="tx1"/>
+                  </a:solidFill>
+                  <a:latin typeface="+mn-lt"/>
+                  <a:ea typeface="+mn-ea"/>
+                  <a:cs typeface="+mn-cs"/>
+                </a:defRPr>
+              </a:lvl8pPr>
+              <a:lvl9pPr marL="3886200" indent="-228600" algn="l" defTabSz="914400" rtl="0" eaLnBrk="1" latinLnBrk="0" hangingPunct="1">
+                <a:spcBef>
+                  <a:spcPct val="20000"/>
+                </a:spcBef>
+                <a:buFont typeface="Arial" pitchFamily="34" charset="0"/>
+                <a:buChar char="•"/>
+                <a:defRPr sz="2000" kern="1200">
+                  <a:solidFill>
+                    <a:schemeClr val="tx1"/>
+                  </a:solidFill>
+                  <a:latin typeface="+mn-lt"/>
+                  <a:ea typeface="+mn-ea"/>
+                  <a:cs typeface="+mn-cs"/>
+                </a:defRPr>
+              </a:lvl9pPr>
+            </a:lstStyle>
+            <a:p>
+              <a:r>
+                <a:rPr lang="en-US" sz="2130" dirty="0">
+                  <a:latin typeface="Arial Nova Light" panose="020B0304020202020204" pitchFamily="34" charset="0"/>
+                  <a:ea typeface="Helvetica Neue" panose="02000503000000020004" pitchFamily="2" charset="0"/>
+                  <a:cs typeface="Helvetica Neue" panose="02000503000000020004" pitchFamily="2" charset="0"/>
+                </a:rPr>
+                <a:t>People can’t help you if they don’t know what you’re asking.</a:t>
+              </a:r>
+            </a:p>
+          </p:txBody>
+        </p:sp>
+      </p:grpSp>
+      <p:pic>
+        <p:nvPicPr>
+          <p:cNvPr id="2" name="Picture 1">
+            <a:extLst>
+              <a:ext uri="{FF2B5EF4-FFF2-40B4-BE49-F238E27FC236}">
+                <a16:creationId xmlns:a16="http://schemas.microsoft.com/office/drawing/2014/main" id="{0211B39E-7047-524B-B89E-085DF89A7CE6}"/>
+              </a:ext>
+            </a:extLst>
+          </p:cNvPr>
+          <p:cNvPicPr>
+            <a:picLocks noChangeAspect="1"/>
+          </p:cNvPicPr>
+          <p:nvPr/>
+        </p:nvPicPr>
+        <p:blipFill>
+          <a:blip r:embed="rId3"/>
+          <a:stretch>
+            <a:fillRect/>
+          </a:stretch>
+        </p:blipFill>
+        <p:spPr>
+          <a:xfrm>
+            <a:off x="533400" y="1752600"/>
+            <a:ext cx="9296400" cy="1749911"/>
+          </a:xfrm>
+          <a:prstGeom prst="rect">
+            <a:avLst/>
+          </a:prstGeom>
+        </p:spPr>
+      </p:pic>
+      <p:pic>
+        <p:nvPicPr>
+          <p:cNvPr id="3" name="Picture 2">
+            <a:extLst>
+              <a:ext uri="{FF2B5EF4-FFF2-40B4-BE49-F238E27FC236}">
+                <a16:creationId xmlns:a16="http://schemas.microsoft.com/office/drawing/2014/main" id="{276A40FC-A1AC-164B-A0EF-2A3BDFA40D6F}"/>
+              </a:ext>
+            </a:extLst>
+          </p:cNvPr>
+          <p:cNvPicPr>
+            <a:picLocks noChangeAspect="1"/>
+          </p:cNvPicPr>
+          <p:nvPr/>
+        </p:nvPicPr>
+        <p:blipFill>
+          <a:blip r:embed="rId4"/>
+          <a:stretch>
+            <a:fillRect/>
+          </a:stretch>
+        </p:blipFill>
+        <p:spPr>
+          <a:xfrm>
+            <a:off x="609600" y="3581400"/>
+            <a:ext cx="9220200" cy="2028444"/>
+          </a:xfrm>
+          <a:prstGeom prst="rect">
+            <a:avLst/>
+          </a:prstGeom>
+        </p:spPr>
+      </p:pic>
+      <p:sp>
+        <p:nvSpPr>
+          <p:cNvPr id="7" name="Rectangle 6">
+            <a:extLst>
+              <a:ext uri="{FF2B5EF4-FFF2-40B4-BE49-F238E27FC236}">
+                <a16:creationId xmlns:a16="http://schemas.microsoft.com/office/drawing/2014/main" id="{59C4F4DD-D31D-ED4A-A444-78EDEFD995EB}"/>
+              </a:ext>
+            </a:extLst>
+          </p:cNvPr>
+          <p:cNvSpPr/>
+          <p:nvPr/>
+        </p:nvSpPr>
+        <p:spPr>
+          <a:xfrm>
+            <a:off x="2895600" y="5633294"/>
+            <a:ext cx="7144776" cy="276999"/>
+          </a:xfrm>
+          <a:prstGeom prst="rect">
+            <a:avLst/>
+          </a:prstGeom>
+        </p:spPr>
+        <p:txBody>
+          <a:bodyPr wrap="square">
+            <a:spAutoFit/>
+          </a:bodyPr>
+          <a:lstStyle/>
+          <a:p>
+            <a:pPr algn="r"/>
+            <a:r>
+              <a:rPr lang="en-US" sz="1200" dirty="0">
+                <a:latin typeface="Arial Nova Light" panose="020B0304020202020204" pitchFamily="34" charset="0"/>
+                <a:hlinkClick r:id="rId5"/>
+              </a:rPr>
+              <a:t>https://</a:t>
+            </a:r>
+            <a:r>
+              <a:rPr lang="en-US" sz="1200" dirty="0" err="1">
+                <a:latin typeface="Arial Nova Light" panose="020B0304020202020204" pitchFamily="34" charset="0"/>
+                <a:hlinkClick r:id="rId5"/>
+              </a:rPr>
+              <a:t>community.rstudio.com</a:t>
+            </a:r>
+            <a:r>
+              <a:rPr lang="en-US" sz="1200" dirty="0">
+                <a:latin typeface="Arial Nova Light" panose="020B0304020202020204" pitchFamily="34" charset="0"/>
+                <a:hlinkClick r:id="rId5"/>
+              </a:rPr>
+              <a:t>/t/how-to-convert-datatable-into-data-frame-for-plot-in-ggplot2/59165</a:t>
+            </a:r>
+            <a:endParaRPr lang="en-US" sz="1200" dirty="0">
+              <a:latin typeface="Arial Nova Light" panose="020B0304020202020204" pitchFamily="34" charset="0"/>
+            </a:endParaRPr>
+          </a:p>
+        </p:txBody>
+      </p:sp>
+    </p:spTree>
+    <p:extLst>
+      <p:ext uri="{BB962C8B-B14F-4D97-AF65-F5344CB8AC3E}">
+        <p14:creationId xmlns:p14="http://schemas.microsoft.com/office/powerpoint/2010/main" val="749526148"/>
+      </p:ext>
+    </p:extLst>
+  </p:cSld>
+  <p:clrMapOvr>
+    <a:masterClrMapping/>
+  </p:clrMapOvr>
+  <mc:AlternateContent xmlns:mc="http://schemas.openxmlformats.org/markup-compatibility/2006" xmlns:p14="http://schemas.microsoft.com/office/powerpoint/2010/main">
+    <mc:Choice Requires="p14">
+      <p:transition spd="med" p14:dur="700">
+        <p:fade/>
+      </p:transition>
+    </mc:Choice>
+    <mc:Fallback xmlns="">
+      <p:transition spd="med">
+        <p:fade/>
+      </p:transition>
+    </mc:Fallback>
+  </mc:AlternateContent>
+  <p:timing>
+    <p:tnLst>
+      <p:par>
+        <p:cTn id="1" dur="indefinite" restart="never" nodeType="tmRoot">
+          <p:childTnLst>
+            <p:seq concurrent="1" nextAc="seek">
+              <p:cTn id="2" dur="indefinite" nodeType="mainSeq">
+                <p:childTnLst>
+                  <p:par>
+                    <p:cTn id="3" fill="hold">
+                      <p:stCondLst>
+                        <p:cond delay="indefinite"/>
+                      </p:stCondLst>
+                      <p:childTnLst>
+                        <p:par>
+                          <p:cTn id="4" fill="hold">
+                            <p:stCondLst>
+                              <p:cond delay="0"/>
+                            </p:stCondLst>
+                            <p:childTnLst>
+                              <p:par>
+                                <p:cTn id="5" presetID="10" presetClass="entr" presetSubtype="0" fill="hold" nodeType="clickEffect">
+                                  <p:stCondLst>
+                                    <p:cond delay="0"/>
+                                  </p:stCondLst>
+                                  <p:childTnLst>
+                                    <p:set>
+                                      <p:cBhvr>
+                                        <p:cTn id="6" dur="1" fill="hold">
+                                          <p:stCondLst>
+                                            <p:cond delay="0"/>
+                                          </p:stCondLst>
+                                        </p:cTn>
+                                        <p:tgtEl>
+                                          <p:spTgt spid="2"/>
+                                        </p:tgtEl>
+                                        <p:attrNameLst>
+                                          <p:attrName>style.visibility</p:attrName>
+                                        </p:attrNameLst>
+                                      </p:cBhvr>
+                                      <p:to>
+                                        <p:strVal val="visible"/>
+                                      </p:to>
+                                    </p:set>
+                                    <p:animEffect transition="in" filter="fade">
+                                      <p:cBhvr>
+                                        <p:cTn id="7" dur="500"/>
+                                        <p:tgtEl>
+                                          <p:spTgt spid="2"/>
+                                        </p:tgtEl>
+                                      </p:cBhvr>
+                                    </p:animEffect>
+                                  </p:childTnLst>
+                                </p:cTn>
+                              </p:par>
+                              <p:par>
+                                <p:cTn id="8" presetID="10" presetClass="entr" presetSubtype="0" fill="hold" nodeType="withEffect">
+                                  <p:stCondLst>
+                                    <p:cond delay="0"/>
+                                  </p:stCondLst>
+                                  <p:childTnLst>
+                                    <p:set>
+                                      <p:cBhvr>
+                                        <p:cTn id="9" dur="1" fill="hold">
+                                          <p:stCondLst>
+                                            <p:cond delay="0"/>
+                                          </p:stCondLst>
+                                        </p:cTn>
+                                        <p:tgtEl>
+                                          <p:spTgt spid="3"/>
+                                        </p:tgtEl>
+                                        <p:attrNameLst>
+                                          <p:attrName>style.visibility</p:attrName>
+                                        </p:attrNameLst>
+                                      </p:cBhvr>
+                                      <p:to>
+                                        <p:strVal val="visible"/>
+                                      </p:to>
+                                    </p:set>
+                                    <p:animEffect transition="in" filter="fade">
+                                      <p:cBhvr>
+                                        <p:cTn id="10" dur="500"/>
+                                        <p:tgtEl>
+                                          <p:spTgt spid="3"/>
+                                        </p:tgtEl>
+                                      </p:cBhvr>
+                                    </p:animEffect>
+                                  </p:childTnLst>
+                                </p:cTn>
+                              </p:par>
+                              <p:par>
+                                <p:cTn id="11" presetID="10" presetClass="entr" presetSubtype="0" fill="hold" grpId="0" nodeType="withEffect">
+                                  <p:stCondLst>
+                                    <p:cond delay="0"/>
+                                  </p:stCondLst>
+                                  <p:childTnLst>
+                                    <p:set>
+                                      <p:cBhvr>
+                                        <p:cTn id="12" dur="1" fill="hold">
+                                          <p:stCondLst>
+                                            <p:cond delay="0"/>
+                                          </p:stCondLst>
+                                        </p:cTn>
+                                        <p:tgtEl>
+                                          <p:spTgt spid="7"/>
+                                        </p:tgtEl>
+                                        <p:attrNameLst>
+                                          <p:attrName>style.visibility</p:attrName>
+                                        </p:attrNameLst>
+                                      </p:cBhvr>
+                                      <p:to>
+                                        <p:strVal val="visible"/>
+                                      </p:to>
+                                    </p:set>
+                                    <p:animEffect transition="in" filter="fade">
+                                      <p:cBhvr>
+                                        <p:cTn id="13" dur="500"/>
+                                        <p:tgtEl>
+                                          <p:spTgt spid="7"/>
+                                        </p:tgtEl>
+                                      </p:cBhvr>
+                                    </p:animEffect>
+                                  </p:childTnLst>
+                                </p:cTn>
+                              </p:par>
+                            </p:childTnLst>
+                          </p:cTn>
+                        </p:par>
+                      </p:childTnLst>
+                    </p:cTn>
+                  </p:par>
+                </p:childTnLst>
+              </p:cTn>
+              <p:prevCondLst>
+                <p:cond evt="onPrev" delay="0">
+                  <p:tgtEl>
+                    <p:sldTgt/>
+                  </p:tgtEl>
+                </p:cond>
+              </p:prevCondLst>
+              <p:nextCondLst>
+                <p:cond evt="onNext" delay="0">
+                  <p:tgtEl>
+                    <p:sldTgt/>
+                  </p:tgtEl>
+                </p:cond>
+              </p:nextCondLst>
+            </p:seq>
+          </p:childTnLst>
+        </p:cTn>
+      </p:par>
+    </p:tnLst>
+    <p:bldLst>
+      <p:bldP spid="7" grpId="0"/>
+    </p:bldLst>
+  </p:timing>
 </p:sld>
 </file>
 
@@ -14669,6 +15554,233 @@
       </p:transition>
     </mc:Fallback>
   </mc:AlternateContent>
+  <p:timing>
+    <p:tnLst>
+      <p:par>
+        <p:cTn id="1" dur="indefinite" restart="never" nodeType="tmRoot">
+          <p:childTnLst>
+            <p:seq concurrent="1" nextAc="seek">
+              <p:cTn id="2" dur="indefinite" nodeType="mainSeq">
+                <p:childTnLst>
+                  <p:par>
+                    <p:cTn id="3" fill="hold">
+                      <p:stCondLst>
+                        <p:cond delay="indefinite"/>
+                      </p:stCondLst>
+                      <p:childTnLst>
+                        <p:par>
+                          <p:cTn id="4" fill="hold">
+                            <p:stCondLst>
+                              <p:cond delay="0"/>
+                            </p:stCondLst>
+                            <p:childTnLst>
+                              <p:par>
+                                <p:cTn id="5" presetID="10" presetClass="entr" presetSubtype="0" fill="hold" nodeType="clickEffect">
+                                  <p:stCondLst>
+                                    <p:cond delay="0"/>
+                                  </p:stCondLst>
+                                  <p:childTnLst>
+                                    <p:set>
+                                      <p:cBhvr>
+                                        <p:cTn id="6" dur="1" fill="hold">
+                                          <p:stCondLst>
+                                            <p:cond delay="0"/>
+                                          </p:stCondLst>
+                                        </p:cTn>
+                                        <p:tgtEl>
+                                          <p:spTgt spid="2"/>
+                                        </p:tgtEl>
+                                        <p:attrNameLst>
+                                          <p:attrName>style.visibility</p:attrName>
+                                        </p:attrNameLst>
+                                      </p:cBhvr>
+                                      <p:to>
+                                        <p:strVal val="visible"/>
+                                      </p:to>
+                                    </p:set>
+                                    <p:animEffect transition="in" filter="fade">
+                                      <p:cBhvr>
+                                        <p:cTn id="7" dur="500"/>
+                                        <p:tgtEl>
+                                          <p:spTgt spid="2"/>
+                                        </p:tgtEl>
+                                      </p:cBhvr>
+                                    </p:animEffect>
+                                  </p:childTnLst>
+                                </p:cTn>
+                              </p:par>
+                              <p:par>
+                                <p:cTn id="8" presetID="10" presetClass="entr" presetSubtype="0" fill="hold" grpId="0" nodeType="withEffect">
+                                  <p:stCondLst>
+                                    <p:cond delay="0"/>
+                                  </p:stCondLst>
+                                  <p:childTnLst>
+                                    <p:set>
+                                      <p:cBhvr>
+                                        <p:cTn id="9" dur="1" fill="hold">
+                                          <p:stCondLst>
+                                            <p:cond delay="0"/>
+                                          </p:stCondLst>
+                                        </p:cTn>
+                                        <p:tgtEl>
+                                          <p:spTgt spid="4"/>
+                                        </p:tgtEl>
+                                        <p:attrNameLst>
+                                          <p:attrName>style.visibility</p:attrName>
+                                        </p:attrNameLst>
+                                      </p:cBhvr>
+                                      <p:to>
+                                        <p:strVal val="visible"/>
+                                      </p:to>
+                                    </p:set>
+                                    <p:animEffect transition="in" filter="fade">
+                                      <p:cBhvr>
+                                        <p:cTn id="10" dur="500"/>
+                                        <p:tgtEl>
+                                          <p:spTgt spid="4"/>
+                                        </p:tgtEl>
+                                      </p:cBhvr>
+                                    </p:animEffect>
+                                  </p:childTnLst>
+                                </p:cTn>
+                              </p:par>
+                            </p:childTnLst>
+                          </p:cTn>
+                        </p:par>
+                      </p:childTnLst>
+                    </p:cTn>
+                  </p:par>
+                  <p:par>
+                    <p:cTn id="11" fill="hold">
+                      <p:stCondLst>
+                        <p:cond delay="indefinite"/>
+                      </p:stCondLst>
+                      <p:childTnLst>
+                        <p:par>
+                          <p:cTn id="12" fill="hold">
+                            <p:stCondLst>
+                              <p:cond delay="0"/>
+                            </p:stCondLst>
+                            <p:childTnLst>
+                              <p:par>
+                                <p:cTn id="13" presetID="10" presetClass="entr" presetSubtype="0" fill="hold" nodeType="clickEffect">
+                                  <p:stCondLst>
+                                    <p:cond delay="0"/>
+                                  </p:stCondLst>
+                                  <p:childTnLst>
+                                    <p:set>
+                                      <p:cBhvr>
+                                        <p:cTn id="14" dur="1" fill="hold">
+                                          <p:stCondLst>
+                                            <p:cond delay="0"/>
+                                          </p:stCondLst>
+                                        </p:cTn>
+                                        <p:tgtEl>
+                                          <p:spTgt spid="3"/>
+                                        </p:tgtEl>
+                                        <p:attrNameLst>
+                                          <p:attrName>style.visibility</p:attrName>
+                                        </p:attrNameLst>
+                                      </p:cBhvr>
+                                      <p:to>
+                                        <p:strVal val="visible"/>
+                                      </p:to>
+                                    </p:set>
+                                    <p:animEffect transition="in" filter="fade">
+                                      <p:cBhvr>
+                                        <p:cTn id="15" dur="500"/>
+                                        <p:tgtEl>
+                                          <p:spTgt spid="3"/>
+                                        </p:tgtEl>
+                                      </p:cBhvr>
+                                    </p:animEffect>
+                                  </p:childTnLst>
+                                </p:cTn>
+                              </p:par>
+                            </p:childTnLst>
+                          </p:cTn>
+                        </p:par>
+                      </p:childTnLst>
+                    </p:cTn>
+                  </p:par>
+                  <p:par>
+                    <p:cTn id="16" fill="hold">
+                      <p:stCondLst>
+                        <p:cond delay="indefinite"/>
+                      </p:stCondLst>
+                      <p:childTnLst>
+                        <p:par>
+                          <p:cTn id="17" fill="hold">
+                            <p:stCondLst>
+                              <p:cond delay="0"/>
+                            </p:stCondLst>
+                            <p:childTnLst>
+                              <p:par>
+                                <p:cTn id="18" presetID="10" presetClass="entr" presetSubtype="0" fill="hold" nodeType="clickEffect">
+                                  <p:stCondLst>
+                                    <p:cond delay="0"/>
+                                  </p:stCondLst>
+                                  <p:childTnLst>
+                                    <p:set>
+                                      <p:cBhvr>
+                                        <p:cTn id="19" dur="1" fill="hold">
+                                          <p:stCondLst>
+                                            <p:cond delay="0"/>
+                                          </p:stCondLst>
+                                        </p:cTn>
+                                        <p:tgtEl>
+                                          <p:spTgt spid="7"/>
+                                        </p:tgtEl>
+                                        <p:attrNameLst>
+                                          <p:attrName>style.visibility</p:attrName>
+                                        </p:attrNameLst>
+                                      </p:cBhvr>
+                                      <p:to>
+                                        <p:strVal val="visible"/>
+                                      </p:to>
+                                    </p:set>
+                                    <p:animEffect transition="in" filter="fade">
+                                      <p:cBhvr>
+                                        <p:cTn id="20" dur="500"/>
+                                        <p:tgtEl>
+                                          <p:spTgt spid="7"/>
+                                        </p:tgtEl>
+                                      </p:cBhvr>
+                                    </p:animEffect>
+                                  </p:childTnLst>
+                                </p:cTn>
+                              </p:par>
+                            </p:childTnLst>
+                          </p:cTn>
+                        </p:par>
+                      </p:childTnLst>
+                    </p:cTn>
+                  </p:par>
+                </p:childTnLst>
+              </p:cTn>
+              <p:prevCondLst>
+                <p:cond evt="onPrev" delay="0">
+                  <p:tgtEl>
+                    <p:sldTgt/>
+                  </p:tgtEl>
+                </p:cond>
+              </p:prevCondLst>
+              <p:nextCondLst>
+                <p:cond evt="onNext" delay="0">
+                  <p:tgtEl>
+                    <p:sldTgt/>
+                  </p:tgtEl>
+                </p:cond>
+              </p:nextCondLst>
+            </p:seq>
+          </p:childTnLst>
+        </p:cTn>
+      </p:par>
+    </p:tnLst>
+    <p:bldLst>
+      <p:bldP spid="4" grpId="0"/>
+    </p:bldLst>
+  </p:timing>
 </p:sld>
 </file>
 
@@ -15125,6 +16237,127 @@
       </p:transition>
     </mc:Fallback>
   </mc:AlternateContent>
+  <p:timing>
+    <p:tnLst>
+      <p:par>
+        <p:cTn id="1" dur="indefinite" restart="never" nodeType="tmRoot">
+          <p:childTnLst>
+            <p:seq concurrent="1" nextAc="seek">
+              <p:cTn id="2" dur="indefinite" nodeType="mainSeq">
+                <p:childTnLst>
+                  <p:par>
+                    <p:cTn id="3" fill="hold">
+                      <p:stCondLst>
+                        <p:cond delay="indefinite"/>
+                      </p:stCondLst>
+                      <p:childTnLst>
+                        <p:par>
+                          <p:cTn id="4" fill="hold">
+                            <p:stCondLst>
+                              <p:cond delay="0"/>
+                            </p:stCondLst>
+                            <p:childTnLst>
+                              <p:par>
+                                <p:cTn id="5" presetID="10" presetClass="entr" presetSubtype="0" fill="hold" nodeType="clickEffect">
+                                  <p:stCondLst>
+                                    <p:cond delay="0"/>
+                                  </p:stCondLst>
+                                  <p:childTnLst>
+                                    <p:set>
+                                      <p:cBhvr>
+                                        <p:cTn id="6" dur="1" fill="hold">
+                                          <p:stCondLst>
+                                            <p:cond delay="0"/>
+                                          </p:stCondLst>
+                                        </p:cTn>
+                                        <p:tgtEl>
+                                          <p:spTgt spid="3"/>
+                                        </p:tgtEl>
+                                        <p:attrNameLst>
+                                          <p:attrName>style.visibility</p:attrName>
+                                        </p:attrNameLst>
+                                      </p:cBhvr>
+                                      <p:to>
+                                        <p:strVal val="visible"/>
+                                      </p:to>
+                                    </p:set>
+                                    <p:animEffect transition="in" filter="fade">
+                                      <p:cBhvr>
+                                        <p:cTn id="7" dur="500"/>
+                                        <p:tgtEl>
+                                          <p:spTgt spid="3"/>
+                                        </p:tgtEl>
+                                      </p:cBhvr>
+                                    </p:animEffect>
+                                  </p:childTnLst>
+                                </p:cTn>
+                              </p:par>
+                              <p:par>
+                                <p:cTn id="8" presetID="10" presetClass="entr" presetSubtype="0" fill="hold" grpId="0" nodeType="withEffect">
+                                  <p:stCondLst>
+                                    <p:cond delay="0"/>
+                                  </p:stCondLst>
+                                  <p:childTnLst>
+                                    <p:set>
+                                      <p:cBhvr>
+                                        <p:cTn id="9" dur="1" fill="hold">
+                                          <p:stCondLst>
+                                            <p:cond delay="0"/>
+                                          </p:stCondLst>
+                                        </p:cTn>
+                                        <p:tgtEl>
+                                          <p:spTgt spid="2"/>
+                                        </p:tgtEl>
+                                        <p:attrNameLst>
+                                          <p:attrName>style.visibility</p:attrName>
+                                        </p:attrNameLst>
+                                      </p:cBhvr>
+                                      <p:to>
+                                        <p:strVal val="visible"/>
+                                      </p:to>
+                                    </p:set>
+                                    <p:animEffect transition="in" filter="fade">
+                                      <p:cBhvr>
+                                        <p:cTn id="10" dur="500"/>
+                                        <p:tgtEl>
+                                          <p:spTgt spid="2"/>
+                                        </p:tgtEl>
+                                      </p:cBhvr>
+                                    </p:animEffect>
+                                  </p:childTnLst>
+                                </p:cTn>
+                              </p:par>
+                            </p:childTnLst>
+                          </p:cTn>
+                        </p:par>
+                      </p:childTnLst>
+                    </p:cTn>
+                  </p:par>
+                </p:childTnLst>
+              </p:cTn>
+              <p:prevCondLst>
+                <p:cond evt="onPrev" delay="0">
+                  <p:tgtEl>
+                    <p:sldTgt/>
+                  </p:tgtEl>
+                </p:cond>
+              </p:prevCondLst>
+              <p:nextCondLst>
+                <p:cond evt="onNext" delay="0">
+                  <p:tgtEl>
+                    <p:sldTgt/>
+                  </p:tgtEl>
+                </p:cond>
+              </p:nextCondLst>
+            </p:seq>
+          </p:childTnLst>
+        </p:cTn>
+      </p:par>
+    </p:tnLst>
+    <p:bldLst>
+      <p:bldP spid="2" grpId="0"/>
+    </p:bldLst>
+  </p:timing>
 </p:sld>
 </file>
 
